--- a/TSQL/1-Entity-Relationship-Model/Problem 2/2-Esports-Teams.pptx
+++ b/TSQL/1-Entity-Relationship-Model/Problem 2/2-Esports-Teams.pptx
@@ -6,6 +6,7 @@
   </p:sldMasterIdLst>
   <p:sldIdLst>
     <p:sldId id="256" r:id="rId2"/>
+    <p:sldId id="257" r:id="rId3"/>
   </p:sldIdLst>
   <p:sldSz cx="12192000" cy="6858000"/>
   <p:notesSz cx="6858000" cy="9144000"/>
@@ -105,6 +106,474 @@
     </a:lvl9pPr>
   </p:defaultTextStyle>
 </p:presentation>
+</file>
+
+<file path=ppt/revisionInfo.xml><?xml version="1.0" encoding="utf-8"?>
+<p1510:revInfo xmlns:a="http://schemas.openxmlformats.org/drawingml/2006/main" xmlns:r="http://schemas.openxmlformats.org/officeDocument/2006/relationships" xmlns:p1510="http://schemas.microsoft.com/office/powerpoint/2015/10/main">
+  <p1510:revLst>
+    <p1510:client id="{2968A877-3CB4-4AFE-B3C7-5A516DA36A1E}" v="21" dt="2021-12-14T18:59:33.690"/>
+  </p1510:revLst>
+</p1510:revInfo>
+</file>
+
+<file path=ppt/changesInfos/changesInfo1.xml><?xml version="1.0" encoding="utf-8"?>
+<pc:chgInfo xmlns:a="http://schemas.openxmlformats.org/drawingml/2006/main" xmlns:r="http://schemas.openxmlformats.org/officeDocument/2006/relationships" xmlns:ac="http://schemas.microsoft.com/office/drawing/2013/main/command" xmlns:pc="http://schemas.microsoft.com/office/powerpoint/2013/main/command">
+  <pc:docChgLst>
+    <pc:chgData name="Kevin Petow" userId="ec47ac263b9b07c3" providerId="LiveId" clId="{2968A877-3CB4-4AFE-B3C7-5A516DA36A1E}"/>
+    <pc:docChg chg="undo custSel addSld modSld">
+      <pc:chgData name="Kevin Petow" userId="ec47ac263b9b07c3" providerId="LiveId" clId="{2968A877-3CB4-4AFE-B3C7-5A516DA36A1E}" dt="2021-12-14T19:18:58.747" v="332" actId="20577"/>
+      <pc:docMkLst>
+        <pc:docMk/>
+      </pc:docMkLst>
+      <pc:sldChg chg="addSp delSp modSp mod">
+        <pc:chgData name="Kevin Petow" userId="ec47ac263b9b07c3" providerId="LiveId" clId="{2968A877-3CB4-4AFE-B3C7-5A516DA36A1E}" dt="2021-12-14T18:08:12.722" v="240" actId="20577"/>
+        <pc:sldMkLst>
+          <pc:docMk/>
+          <pc:sldMk cId="2670427887" sldId="256"/>
+        </pc:sldMkLst>
+        <pc:spChg chg="mod">
+          <ac:chgData name="Kevin Petow" userId="ec47ac263b9b07c3" providerId="LiveId" clId="{2968A877-3CB4-4AFE-B3C7-5A516DA36A1E}" dt="2021-12-14T16:36:07.009" v="155" actId="1076"/>
+          <ac:spMkLst>
+            <pc:docMk/>
+            <pc:sldMk cId="2670427887" sldId="256"/>
+            <ac:spMk id="5" creationId="{C1668C4E-0243-4FF7-85D0-D187C1573305}"/>
+          </ac:spMkLst>
+        </pc:spChg>
+        <pc:spChg chg="mod">
+          <ac:chgData name="Kevin Petow" userId="ec47ac263b9b07c3" providerId="LiveId" clId="{2968A877-3CB4-4AFE-B3C7-5A516DA36A1E}" dt="2021-12-14T16:36:07.009" v="155" actId="1076"/>
+          <ac:spMkLst>
+            <pc:docMk/>
+            <pc:sldMk cId="2670427887" sldId="256"/>
+            <ac:spMk id="7" creationId="{62700EE1-31A7-489C-B4EE-1718666C4458}"/>
+          </ac:spMkLst>
+        </pc:spChg>
+        <pc:spChg chg="mod">
+          <ac:chgData name="Kevin Petow" userId="ec47ac263b9b07c3" providerId="LiveId" clId="{2968A877-3CB4-4AFE-B3C7-5A516DA36A1E}" dt="2021-12-14T16:36:07.009" v="155" actId="1076"/>
+          <ac:spMkLst>
+            <pc:docMk/>
+            <pc:sldMk cId="2670427887" sldId="256"/>
+            <ac:spMk id="8" creationId="{587B66BD-BDAB-4BB4-80E5-66B6B0ED2859}"/>
+          </ac:spMkLst>
+        </pc:spChg>
+        <pc:spChg chg="mod">
+          <ac:chgData name="Kevin Petow" userId="ec47ac263b9b07c3" providerId="LiveId" clId="{2968A877-3CB4-4AFE-B3C7-5A516DA36A1E}" dt="2021-12-14T16:36:07.009" v="155" actId="1076"/>
+          <ac:spMkLst>
+            <pc:docMk/>
+            <pc:sldMk cId="2670427887" sldId="256"/>
+            <ac:spMk id="9" creationId="{1C2FDCE0-8D5A-47B1-9FDF-A69F0B8502F8}"/>
+          </ac:spMkLst>
+        </pc:spChg>
+        <pc:spChg chg="mod">
+          <ac:chgData name="Kevin Petow" userId="ec47ac263b9b07c3" providerId="LiveId" clId="{2968A877-3CB4-4AFE-B3C7-5A516DA36A1E}" dt="2021-12-14T16:36:07.009" v="155" actId="1076"/>
+          <ac:spMkLst>
+            <pc:docMk/>
+            <pc:sldMk cId="2670427887" sldId="256"/>
+            <ac:spMk id="10" creationId="{2143B357-6058-4A5C-BBB4-AF2A35493EBE}"/>
+          </ac:spMkLst>
+        </pc:spChg>
+        <pc:spChg chg="mod">
+          <ac:chgData name="Kevin Petow" userId="ec47ac263b9b07c3" providerId="LiveId" clId="{2968A877-3CB4-4AFE-B3C7-5A516DA36A1E}" dt="2021-12-14T16:41:10.313" v="189" actId="1076"/>
+          <ac:spMkLst>
+            <pc:docMk/>
+            <pc:sldMk cId="2670427887" sldId="256"/>
+            <ac:spMk id="11" creationId="{7F6ABEF6-EB68-432C-BF11-05E0DE45F9FF}"/>
+          </ac:spMkLst>
+        </pc:spChg>
+        <pc:spChg chg="mod">
+          <ac:chgData name="Kevin Petow" userId="ec47ac263b9b07c3" providerId="LiveId" clId="{2968A877-3CB4-4AFE-B3C7-5A516DA36A1E}" dt="2021-12-14T16:41:13.191" v="190" actId="1076"/>
+          <ac:spMkLst>
+            <pc:docMk/>
+            <pc:sldMk cId="2670427887" sldId="256"/>
+            <ac:spMk id="12" creationId="{D40AF3B4-DE2F-4D6C-8A0E-350B18AC2692}"/>
+          </ac:spMkLst>
+        </pc:spChg>
+        <pc:spChg chg="mod">
+          <ac:chgData name="Kevin Petow" userId="ec47ac263b9b07c3" providerId="LiveId" clId="{2968A877-3CB4-4AFE-B3C7-5A516DA36A1E}" dt="2021-12-14T16:36:07.009" v="155" actId="1076"/>
+          <ac:spMkLst>
+            <pc:docMk/>
+            <pc:sldMk cId="2670427887" sldId="256"/>
+            <ac:spMk id="17" creationId="{443C89F9-1AE9-42D9-BAD7-996AC2A06FAB}"/>
+          </ac:spMkLst>
+        </pc:spChg>
+        <pc:spChg chg="mod">
+          <ac:chgData name="Kevin Petow" userId="ec47ac263b9b07c3" providerId="LiveId" clId="{2968A877-3CB4-4AFE-B3C7-5A516DA36A1E}" dt="2021-12-14T16:46:45.107" v="237" actId="1076"/>
+          <ac:spMkLst>
+            <pc:docMk/>
+            <pc:sldMk cId="2670427887" sldId="256"/>
+            <ac:spMk id="22" creationId="{D01135C3-994F-413A-A899-B1300143CDD3}"/>
+          </ac:spMkLst>
+        </pc:spChg>
+        <pc:spChg chg="add del mod">
+          <ac:chgData name="Kevin Petow" userId="ec47ac263b9b07c3" providerId="LiveId" clId="{2968A877-3CB4-4AFE-B3C7-5A516DA36A1E}" dt="2021-12-14T16:14:36.581" v="33" actId="478"/>
+          <ac:spMkLst>
+            <pc:docMk/>
+            <pc:sldMk cId="2670427887" sldId="256"/>
+            <ac:spMk id="38" creationId="{5A52EF9F-3AFF-4EAB-B42F-46851D65CC3F}"/>
+          </ac:spMkLst>
+        </pc:spChg>
+        <pc:spChg chg="add del mod">
+          <ac:chgData name="Kevin Petow" userId="ec47ac263b9b07c3" providerId="LiveId" clId="{2968A877-3CB4-4AFE-B3C7-5A516DA36A1E}" dt="2021-12-14T16:44:15.006" v="223" actId="478"/>
+          <ac:spMkLst>
+            <pc:docMk/>
+            <pc:sldMk cId="2670427887" sldId="256"/>
+            <ac:spMk id="39" creationId="{1BB2664E-B100-4A8D-84F6-94AB2CC45BF4}"/>
+          </ac:spMkLst>
+        </pc:spChg>
+        <pc:spChg chg="add mod">
+          <ac:chgData name="Kevin Petow" userId="ec47ac263b9b07c3" providerId="LiveId" clId="{2968A877-3CB4-4AFE-B3C7-5A516DA36A1E}" dt="2021-12-14T16:46:45.107" v="237" actId="1076"/>
+          <ac:spMkLst>
+            <pc:docMk/>
+            <pc:sldMk cId="2670427887" sldId="256"/>
+            <ac:spMk id="40" creationId="{BCBACE4E-8A3B-427B-8BCE-15EF4961F991}"/>
+          </ac:spMkLst>
+        </pc:spChg>
+        <pc:spChg chg="add mod">
+          <ac:chgData name="Kevin Petow" userId="ec47ac263b9b07c3" providerId="LiveId" clId="{2968A877-3CB4-4AFE-B3C7-5A516DA36A1E}" dt="2021-12-14T16:42:05.824" v="191" actId="1076"/>
+          <ac:spMkLst>
+            <pc:docMk/>
+            <pc:sldMk cId="2670427887" sldId="256"/>
+            <ac:spMk id="41" creationId="{5EAE8AAB-E779-42F3-869A-BF56C2FE1070}"/>
+          </ac:spMkLst>
+        </pc:spChg>
+        <pc:spChg chg="add del mod">
+          <ac:chgData name="Kevin Petow" userId="ec47ac263b9b07c3" providerId="LiveId" clId="{2968A877-3CB4-4AFE-B3C7-5A516DA36A1E}" dt="2021-12-14T16:25:52.613" v="48" actId="21"/>
+          <ac:spMkLst>
+            <pc:docMk/>
+            <pc:sldMk cId="2670427887" sldId="256"/>
+            <ac:spMk id="44" creationId="{70B15C5D-6E26-4784-A81F-EDEC9C5D40BD}"/>
+          </ac:spMkLst>
+        </pc:spChg>
+        <pc:spChg chg="add del mod">
+          <ac:chgData name="Kevin Petow" userId="ec47ac263b9b07c3" providerId="LiveId" clId="{2968A877-3CB4-4AFE-B3C7-5A516DA36A1E}" dt="2021-12-14T16:25:56.400" v="50"/>
+          <ac:spMkLst>
+            <pc:docMk/>
+            <pc:sldMk cId="2670427887" sldId="256"/>
+            <ac:spMk id="46" creationId="{523205D5-41C3-4B00-AEB7-6D347D524FF7}"/>
+          </ac:spMkLst>
+        </pc:spChg>
+        <pc:spChg chg="add mod">
+          <ac:chgData name="Kevin Petow" userId="ec47ac263b9b07c3" providerId="LiveId" clId="{2968A877-3CB4-4AFE-B3C7-5A516DA36A1E}" dt="2021-12-14T16:41:03.116" v="186" actId="1076"/>
+          <ac:spMkLst>
+            <pc:docMk/>
+            <pc:sldMk cId="2670427887" sldId="256"/>
+            <ac:spMk id="47" creationId="{7E93057F-ECDF-4B03-B551-60C2180B5630}"/>
+          </ac:spMkLst>
+        </pc:spChg>
+        <pc:spChg chg="add mod">
+          <ac:chgData name="Kevin Petow" userId="ec47ac263b9b07c3" providerId="LiveId" clId="{2968A877-3CB4-4AFE-B3C7-5A516DA36A1E}" dt="2021-12-14T16:36:07.009" v="155" actId="1076"/>
+          <ac:spMkLst>
+            <pc:docMk/>
+            <pc:sldMk cId="2670427887" sldId="256"/>
+            <ac:spMk id="52" creationId="{A3671166-BD2D-44D1-814C-0666158CEB76}"/>
+          </ac:spMkLst>
+        </pc:spChg>
+        <pc:spChg chg="add mod">
+          <ac:chgData name="Kevin Petow" userId="ec47ac263b9b07c3" providerId="LiveId" clId="{2968A877-3CB4-4AFE-B3C7-5A516DA36A1E}" dt="2021-12-14T16:38:16.770" v="169" actId="1076"/>
+          <ac:spMkLst>
+            <pc:docMk/>
+            <pc:sldMk cId="2670427887" sldId="256"/>
+            <ac:spMk id="55" creationId="{B849B5AB-2269-4D05-84EA-54960B8B7321}"/>
+          </ac:spMkLst>
+        </pc:spChg>
+        <pc:spChg chg="add del mod">
+          <ac:chgData name="Kevin Petow" userId="ec47ac263b9b07c3" providerId="LiveId" clId="{2968A877-3CB4-4AFE-B3C7-5A516DA36A1E}" dt="2021-12-14T16:31:45.226" v="118" actId="478"/>
+          <ac:spMkLst>
+            <pc:docMk/>
+            <pc:sldMk cId="2670427887" sldId="256"/>
+            <ac:spMk id="66" creationId="{70C76956-62C3-4979-9636-7323D8D196A4}"/>
+          </ac:spMkLst>
+        </pc:spChg>
+        <pc:spChg chg="add del mod">
+          <ac:chgData name="Kevin Petow" userId="ec47ac263b9b07c3" providerId="LiveId" clId="{2968A877-3CB4-4AFE-B3C7-5A516DA36A1E}" dt="2021-12-14T16:32:18.670" v="133" actId="478"/>
+          <ac:spMkLst>
+            <pc:docMk/>
+            <pc:sldMk cId="2670427887" sldId="256"/>
+            <ac:spMk id="74" creationId="{04DF4E0C-9435-40AA-9671-0DE92F0B45A7}"/>
+          </ac:spMkLst>
+        </pc:spChg>
+        <pc:spChg chg="add mod">
+          <ac:chgData name="Kevin Petow" userId="ec47ac263b9b07c3" providerId="LiveId" clId="{2968A877-3CB4-4AFE-B3C7-5A516DA36A1E}" dt="2021-12-14T16:43:03.873" v="207" actId="1076"/>
+          <ac:spMkLst>
+            <pc:docMk/>
+            <pc:sldMk cId="2670427887" sldId="256"/>
+            <ac:spMk id="75" creationId="{2A80D8FD-E038-4D8C-972B-F173941ED041}"/>
+          </ac:spMkLst>
+        </pc:spChg>
+        <pc:spChg chg="add mod">
+          <ac:chgData name="Kevin Petow" userId="ec47ac263b9b07c3" providerId="LiveId" clId="{2968A877-3CB4-4AFE-B3C7-5A516DA36A1E}" dt="2021-12-14T16:43:04.956" v="208" actId="1076"/>
+          <ac:spMkLst>
+            <pc:docMk/>
+            <pc:sldMk cId="2670427887" sldId="256"/>
+            <ac:spMk id="76" creationId="{9EE439B7-FE3E-48F7-B293-F24C766B62D9}"/>
+          </ac:spMkLst>
+        </pc:spChg>
+        <pc:spChg chg="add del">
+          <ac:chgData name="Kevin Petow" userId="ec47ac263b9b07c3" providerId="LiveId" clId="{2968A877-3CB4-4AFE-B3C7-5A516DA36A1E}" dt="2021-12-14T16:34:47.516" v="144" actId="11529"/>
+          <ac:spMkLst>
+            <pc:docMk/>
+            <pc:sldMk cId="2670427887" sldId="256"/>
+            <ac:spMk id="81" creationId="{65C5B8A3-8BE6-4C19-BF2E-56A4156010D0}"/>
+          </ac:spMkLst>
+        </pc:spChg>
+        <pc:spChg chg="add del mod">
+          <ac:chgData name="Kevin Petow" userId="ec47ac263b9b07c3" providerId="LiveId" clId="{2968A877-3CB4-4AFE-B3C7-5A516DA36A1E}" dt="2021-12-14T16:34:55.135" v="148"/>
+          <ac:spMkLst>
+            <pc:docMk/>
+            <pc:sldMk cId="2670427887" sldId="256"/>
+            <ac:spMk id="82" creationId="{FED0D0BF-5EF0-46D4-B616-BEAA6F80A1D7}"/>
+          </ac:spMkLst>
+        </pc:spChg>
+        <pc:spChg chg="add mod">
+          <ac:chgData name="Kevin Petow" userId="ec47ac263b9b07c3" providerId="LiveId" clId="{2968A877-3CB4-4AFE-B3C7-5A516DA36A1E}" dt="2021-12-14T16:40:04.522" v="176" actId="1076"/>
+          <ac:spMkLst>
+            <pc:docMk/>
+            <pc:sldMk cId="2670427887" sldId="256"/>
+            <ac:spMk id="83" creationId="{017A636E-F984-468D-955F-03BB628FAE31}"/>
+          </ac:spMkLst>
+        </pc:spChg>
+        <pc:spChg chg="add mod">
+          <ac:chgData name="Kevin Petow" userId="ec47ac263b9b07c3" providerId="LiveId" clId="{2968A877-3CB4-4AFE-B3C7-5A516DA36A1E}" dt="2021-12-14T16:43:21.763" v="216" actId="20577"/>
+          <ac:spMkLst>
+            <pc:docMk/>
+            <pc:sldMk cId="2670427887" sldId="256"/>
+            <ac:spMk id="134" creationId="{2CFF804F-220A-4699-B5B6-A85BA0C86BC6}"/>
+          </ac:spMkLst>
+        </pc:spChg>
+        <pc:spChg chg="add mod">
+          <ac:chgData name="Kevin Petow" userId="ec47ac263b9b07c3" providerId="LiveId" clId="{2968A877-3CB4-4AFE-B3C7-5A516DA36A1E}" dt="2021-12-14T18:08:12.722" v="240" actId="20577"/>
+          <ac:spMkLst>
+            <pc:docMk/>
+            <pc:sldMk cId="2670427887" sldId="256"/>
+            <ac:spMk id="138" creationId="{F36B6F43-7E15-492E-8FA3-D0CC071C72E0}"/>
+          </ac:spMkLst>
+        </pc:spChg>
+        <pc:spChg chg="add mod">
+          <ac:chgData name="Kevin Petow" userId="ec47ac263b9b07c3" providerId="LiveId" clId="{2968A877-3CB4-4AFE-B3C7-5A516DA36A1E}" dt="2021-12-14T16:45:08.066" v="232" actId="20577"/>
+          <ac:spMkLst>
+            <pc:docMk/>
+            <pc:sldMk cId="2670427887" sldId="256"/>
+            <ac:spMk id="139" creationId="{06B672FF-9589-4AA4-B8E1-5987DFD2C686}"/>
+          </ac:spMkLst>
+        </pc:spChg>
+        <pc:spChg chg="add mod">
+          <ac:chgData name="Kevin Petow" userId="ec47ac263b9b07c3" providerId="LiveId" clId="{2968A877-3CB4-4AFE-B3C7-5A516DA36A1E}" dt="2021-12-14T18:08:11.017" v="239" actId="20577"/>
+          <ac:spMkLst>
+            <pc:docMk/>
+            <pc:sldMk cId="2670427887" sldId="256"/>
+            <ac:spMk id="140" creationId="{6ADC9442-6BE8-4C82-A145-459982B49E6F}"/>
+          </ac:spMkLst>
+        </pc:spChg>
+        <pc:spChg chg="add mod">
+          <ac:chgData name="Kevin Petow" userId="ec47ac263b9b07c3" providerId="LiveId" clId="{2968A877-3CB4-4AFE-B3C7-5A516DA36A1E}" dt="2021-12-14T16:47:26.918" v="238" actId="20577"/>
+          <ac:spMkLst>
+            <pc:docMk/>
+            <pc:sldMk cId="2670427887" sldId="256"/>
+            <ac:spMk id="141" creationId="{488F414F-E1D1-4E1A-8144-F056B5E42DA8}"/>
+          </ac:spMkLst>
+        </pc:spChg>
+        <pc:cxnChg chg="mod">
+          <ac:chgData name="Kevin Petow" userId="ec47ac263b9b07c3" providerId="LiveId" clId="{2968A877-3CB4-4AFE-B3C7-5A516DA36A1E}" dt="2021-12-14T16:41:10.313" v="189" actId="1076"/>
+          <ac:cxnSpMkLst>
+            <pc:docMk/>
+            <pc:sldMk cId="2670427887" sldId="256"/>
+            <ac:cxnSpMk id="14" creationId="{28E796F0-62EB-4590-84C1-EB587DDE06B3}"/>
+          </ac:cxnSpMkLst>
+        </pc:cxnChg>
+        <pc:cxnChg chg="mod">
+          <ac:chgData name="Kevin Petow" userId="ec47ac263b9b07c3" providerId="LiveId" clId="{2968A877-3CB4-4AFE-B3C7-5A516DA36A1E}" dt="2021-12-14T16:41:13.191" v="190" actId="1076"/>
+          <ac:cxnSpMkLst>
+            <pc:docMk/>
+            <pc:sldMk cId="2670427887" sldId="256"/>
+            <ac:cxnSpMk id="16" creationId="{FAB353E1-6F5A-43DB-AE79-B2EE7B3200C7}"/>
+          </ac:cxnSpMkLst>
+        </pc:cxnChg>
+        <pc:cxnChg chg="mod">
+          <ac:chgData name="Kevin Petow" userId="ec47ac263b9b07c3" providerId="LiveId" clId="{2968A877-3CB4-4AFE-B3C7-5A516DA36A1E}" dt="2021-12-14T16:36:07.009" v="155" actId="1076"/>
+          <ac:cxnSpMkLst>
+            <pc:docMk/>
+            <pc:sldMk cId="2670427887" sldId="256"/>
+            <ac:cxnSpMk id="19" creationId="{8BA92E50-876B-4610-87CC-FDB5AC548992}"/>
+          </ac:cxnSpMkLst>
+        </pc:cxnChg>
+        <pc:cxnChg chg="mod">
+          <ac:chgData name="Kevin Petow" userId="ec47ac263b9b07c3" providerId="LiveId" clId="{2968A877-3CB4-4AFE-B3C7-5A516DA36A1E}" dt="2021-12-14T16:36:07.009" v="155" actId="1076"/>
+          <ac:cxnSpMkLst>
+            <pc:docMk/>
+            <pc:sldMk cId="2670427887" sldId="256"/>
+            <ac:cxnSpMk id="21" creationId="{70968174-07F4-496C-9B25-05CD70A04A43}"/>
+          </ac:cxnSpMkLst>
+        </pc:cxnChg>
+        <pc:cxnChg chg="add mod">
+          <ac:chgData name="Kevin Petow" userId="ec47ac263b9b07c3" providerId="LiveId" clId="{2968A877-3CB4-4AFE-B3C7-5A516DA36A1E}" dt="2021-12-14T16:36:07.009" v="155" actId="1076"/>
+          <ac:cxnSpMkLst>
+            <pc:docMk/>
+            <pc:sldMk cId="2670427887" sldId="256"/>
+            <ac:cxnSpMk id="33" creationId="{0F6775AD-27EE-425A-A7F7-E0E9FDC063D7}"/>
+          </ac:cxnSpMkLst>
+        </pc:cxnChg>
+        <pc:cxnChg chg="add mod">
+          <ac:chgData name="Kevin Petow" userId="ec47ac263b9b07c3" providerId="LiveId" clId="{2968A877-3CB4-4AFE-B3C7-5A516DA36A1E}" dt="2021-12-14T16:36:07.009" v="155" actId="1076"/>
+          <ac:cxnSpMkLst>
+            <pc:docMk/>
+            <pc:sldMk cId="2670427887" sldId="256"/>
+            <ac:cxnSpMk id="35" creationId="{B796BC07-AF81-4AF7-BFF1-F08A7752FDB8}"/>
+          </ac:cxnSpMkLst>
+        </pc:cxnChg>
+        <pc:cxnChg chg="add mod">
+          <ac:chgData name="Kevin Petow" userId="ec47ac263b9b07c3" providerId="LiveId" clId="{2968A877-3CB4-4AFE-B3C7-5A516DA36A1E}" dt="2021-12-14T16:36:07.009" v="155" actId="1076"/>
+          <ac:cxnSpMkLst>
+            <pc:docMk/>
+            <pc:sldMk cId="2670427887" sldId="256"/>
+            <ac:cxnSpMk id="37" creationId="{531F7D48-7150-48BF-9D07-179DEB60F2EA}"/>
+          </ac:cxnSpMkLst>
+        </pc:cxnChg>
+        <pc:cxnChg chg="add mod">
+          <ac:chgData name="Kevin Petow" userId="ec47ac263b9b07c3" providerId="LiveId" clId="{2968A877-3CB4-4AFE-B3C7-5A516DA36A1E}" dt="2021-12-14T16:41:03.116" v="186" actId="1076"/>
+          <ac:cxnSpMkLst>
+            <pc:docMk/>
+            <pc:sldMk cId="2670427887" sldId="256"/>
+            <ac:cxnSpMk id="49" creationId="{673B1155-9893-4B3E-871A-4AE0153924F5}"/>
+          </ac:cxnSpMkLst>
+        </pc:cxnChg>
+        <pc:cxnChg chg="add mod">
+          <ac:chgData name="Kevin Petow" userId="ec47ac263b9b07c3" providerId="LiveId" clId="{2968A877-3CB4-4AFE-B3C7-5A516DA36A1E}" dt="2021-12-14T16:36:07.009" v="155" actId="1076"/>
+          <ac:cxnSpMkLst>
+            <pc:docMk/>
+            <pc:sldMk cId="2670427887" sldId="256"/>
+            <ac:cxnSpMk id="54" creationId="{EC0CADC0-A08D-4433-8241-B388B6A21709}"/>
+          </ac:cxnSpMkLst>
+        </pc:cxnChg>
+        <pc:cxnChg chg="add mod">
+          <ac:chgData name="Kevin Petow" userId="ec47ac263b9b07c3" providerId="LiveId" clId="{2968A877-3CB4-4AFE-B3C7-5A516DA36A1E}" dt="2021-12-14T16:38:16.770" v="169" actId="1076"/>
+          <ac:cxnSpMkLst>
+            <pc:docMk/>
+            <pc:sldMk cId="2670427887" sldId="256"/>
+            <ac:cxnSpMk id="57" creationId="{F3531653-947C-4B99-8BD1-1772B79511CF}"/>
+          </ac:cxnSpMkLst>
+        </pc:cxnChg>
+        <pc:cxnChg chg="add mod">
+          <ac:chgData name="Kevin Petow" userId="ec47ac263b9b07c3" providerId="LiveId" clId="{2968A877-3CB4-4AFE-B3C7-5A516DA36A1E}" dt="2021-12-14T16:46:45.107" v="237" actId="1076"/>
+          <ac:cxnSpMkLst>
+            <pc:docMk/>
+            <pc:sldMk cId="2670427887" sldId="256"/>
+            <ac:cxnSpMk id="61" creationId="{241AD72D-B37C-44BF-8558-4BFA2840F59A}"/>
+          </ac:cxnSpMkLst>
+        </pc:cxnChg>
+        <pc:cxnChg chg="add mod">
+          <ac:chgData name="Kevin Petow" userId="ec47ac263b9b07c3" providerId="LiveId" clId="{2968A877-3CB4-4AFE-B3C7-5A516DA36A1E}" dt="2021-12-14T16:46:45.107" v="237" actId="1076"/>
+          <ac:cxnSpMkLst>
+            <pc:docMk/>
+            <pc:sldMk cId="2670427887" sldId="256"/>
+            <ac:cxnSpMk id="63" creationId="{744B0944-0678-43A3-BED4-A07A6817B25B}"/>
+          </ac:cxnSpMkLst>
+        </pc:cxnChg>
+        <pc:cxnChg chg="add del mod">
+          <ac:chgData name="Kevin Petow" userId="ec47ac263b9b07c3" providerId="LiveId" clId="{2968A877-3CB4-4AFE-B3C7-5A516DA36A1E}" dt="2021-12-14T16:44:15.814" v="224" actId="478"/>
+          <ac:cxnSpMkLst>
+            <pc:docMk/>
+            <pc:sldMk cId="2670427887" sldId="256"/>
+            <ac:cxnSpMk id="65" creationId="{E6814BEF-4F8C-456C-AB46-E186444020AB}"/>
+          </ac:cxnSpMkLst>
+        </pc:cxnChg>
+        <pc:cxnChg chg="add mod">
+          <ac:chgData name="Kevin Petow" userId="ec47ac263b9b07c3" providerId="LiveId" clId="{2968A877-3CB4-4AFE-B3C7-5A516DA36A1E}" dt="2021-12-14T16:42:05.824" v="191" actId="1076"/>
+          <ac:cxnSpMkLst>
+            <pc:docMk/>
+            <pc:sldMk cId="2670427887" sldId="256"/>
+            <ac:cxnSpMk id="68" creationId="{9F8C4F5A-0F9A-4A38-A9E7-E27E7B42325D}"/>
+          </ac:cxnSpMkLst>
+        </pc:cxnChg>
+        <pc:cxnChg chg="add del mod">
+          <ac:chgData name="Kevin Petow" userId="ec47ac263b9b07c3" providerId="LiveId" clId="{2968A877-3CB4-4AFE-B3C7-5A516DA36A1E}" dt="2021-12-14T16:31:46.975" v="119" actId="478"/>
+          <ac:cxnSpMkLst>
+            <pc:docMk/>
+            <pc:sldMk cId="2670427887" sldId="256"/>
+            <ac:cxnSpMk id="70" creationId="{7FAC05F5-5347-4D65-B250-08F22592E62D}"/>
+          </ac:cxnSpMkLst>
+        </pc:cxnChg>
+        <pc:cxnChg chg="add mod">
+          <ac:chgData name="Kevin Petow" userId="ec47ac263b9b07c3" providerId="LiveId" clId="{2968A877-3CB4-4AFE-B3C7-5A516DA36A1E}" dt="2021-12-14T16:43:03.873" v="207" actId="1076"/>
+          <ac:cxnSpMkLst>
+            <pc:docMk/>
+            <pc:sldMk cId="2670427887" sldId="256"/>
+            <ac:cxnSpMk id="78" creationId="{F0FA3C5A-5138-44F4-9559-89359B7912B3}"/>
+          </ac:cxnSpMkLst>
+        </pc:cxnChg>
+        <pc:cxnChg chg="add mod">
+          <ac:chgData name="Kevin Petow" userId="ec47ac263b9b07c3" providerId="LiveId" clId="{2968A877-3CB4-4AFE-B3C7-5A516DA36A1E}" dt="2021-12-14T16:43:04.956" v="208" actId="1076"/>
+          <ac:cxnSpMkLst>
+            <pc:docMk/>
+            <pc:sldMk cId="2670427887" sldId="256"/>
+            <ac:cxnSpMk id="80" creationId="{5C5AD18D-9D23-48BD-8D25-0C3E8757A79E}"/>
+          </ac:cxnSpMkLst>
+        </pc:cxnChg>
+        <pc:cxnChg chg="add del mod">
+          <ac:chgData name="Kevin Petow" userId="ec47ac263b9b07c3" providerId="LiveId" clId="{2968A877-3CB4-4AFE-B3C7-5A516DA36A1E}" dt="2021-12-14T16:35:07.716" v="153" actId="478"/>
+          <ac:cxnSpMkLst>
+            <pc:docMk/>
+            <pc:sldMk cId="2670427887" sldId="256"/>
+            <ac:cxnSpMk id="85" creationId="{9EBAC87F-3B74-4005-B79D-5EFDBCD6B925}"/>
+          </ac:cxnSpMkLst>
+        </pc:cxnChg>
+        <pc:cxnChg chg="add mod">
+          <ac:chgData name="Kevin Petow" userId="ec47ac263b9b07c3" providerId="LiveId" clId="{2968A877-3CB4-4AFE-B3C7-5A516DA36A1E}" dt="2021-12-14T16:41:00.733" v="185" actId="14100"/>
+          <ac:cxnSpMkLst>
+            <pc:docMk/>
+            <pc:sldMk cId="2670427887" sldId="256"/>
+            <ac:cxnSpMk id="87" creationId="{58E9CD3D-C05E-4C19-82D6-1888498A9D22}"/>
+          </ac:cxnSpMkLst>
+        </pc:cxnChg>
+        <pc:cxnChg chg="add">
+          <ac:chgData name="Kevin Petow" userId="ec47ac263b9b07c3" providerId="LiveId" clId="{2968A877-3CB4-4AFE-B3C7-5A516DA36A1E}" dt="2021-12-14T16:43:33.607" v="217" actId="11529"/>
+          <ac:cxnSpMkLst>
+            <pc:docMk/>
+            <pc:sldMk cId="2670427887" sldId="256"/>
+            <ac:cxnSpMk id="136" creationId="{1395DFF3-D8CE-47BB-BBBD-01032068EB88}"/>
+          </ac:cxnSpMkLst>
+        </pc:cxnChg>
+      </pc:sldChg>
+      <pc:sldChg chg="addSp delSp modSp new mod">
+        <pc:chgData name="Kevin Petow" userId="ec47ac263b9b07c3" providerId="LiveId" clId="{2968A877-3CB4-4AFE-B3C7-5A516DA36A1E}" dt="2021-12-14T19:18:58.747" v="332" actId="20577"/>
+        <pc:sldMkLst>
+          <pc:docMk/>
+          <pc:sldMk cId="3661179507" sldId="257"/>
+        </pc:sldMkLst>
+        <pc:spChg chg="del">
+          <ac:chgData name="Kevin Petow" userId="ec47ac263b9b07c3" providerId="LiveId" clId="{2968A877-3CB4-4AFE-B3C7-5A516DA36A1E}" dt="2021-12-14T18:58:22.651" v="242" actId="478"/>
+          <ac:spMkLst>
+            <pc:docMk/>
+            <pc:sldMk cId="3661179507" sldId="257"/>
+            <ac:spMk id="2" creationId="{B079C859-434C-4544-971B-8D97928D2C40}"/>
+          </ac:spMkLst>
+        </pc:spChg>
+        <pc:spChg chg="del">
+          <ac:chgData name="Kevin Petow" userId="ec47ac263b9b07c3" providerId="LiveId" clId="{2968A877-3CB4-4AFE-B3C7-5A516DA36A1E}" dt="2021-12-14T18:58:22.651" v="242" actId="478"/>
+          <ac:spMkLst>
+            <pc:docMk/>
+            <pc:sldMk cId="3661179507" sldId="257"/>
+            <ac:spMk id="3" creationId="{91EE84A4-5269-41EA-813D-E303815D4D57}"/>
+          </ac:spMkLst>
+        </pc:spChg>
+        <pc:graphicFrameChg chg="add mod modGraphic">
+          <ac:chgData name="Kevin Petow" userId="ec47ac263b9b07c3" providerId="LiveId" clId="{2968A877-3CB4-4AFE-B3C7-5A516DA36A1E}" dt="2021-12-14T18:59:28.014" v="289" actId="20577"/>
+          <ac:graphicFrameMkLst>
+            <pc:docMk/>
+            <pc:sldMk cId="3661179507" sldId="257"/>
+            <ac:graphicFrameMk id="4" creationId="{72A22016-8976-4919-ACA1-29034543B564}"/>
+          </ac:graphicFrameMkLst>
+        </pc:graphicFrameChg>
+        <pc:graphicFrameChg chg="add mod modGraphic">
+          <ac:chgData name="Kevin Petow" userId="ec47ac263b9b07c3" providerId="LiveId" clId="{2968A877-3CB4-4AFE-B3C7-5A516DA36A1E}" dt="2021-12-14T19:18:58.747" v="332" actId="20577"/>
+          <ac:graphicFrameMkLst>
+            <pc:docMk/>
+            <pc:sldMk cId="3661179507" sldId="257"/>
+            <ac:graphicFrameMk id="5" creationId="{2957994F-5CFD-4507-BA98-CD3E2F0506AE}"/>
+          </ac:graphicFrameMkLst>
+        </pc:graphicFrameChg>
+      </pc:sldChg>
+    </pc:docChg>
+  </pc:docChgLst>
+</pc:chgInfo>
 </file>
 
 <file path=ppt/slideLayouts/slideLayout1.xml><?xml version="1.0" encoding="utf-8"?>
@@ -3323,51 +3792,1728 @@
       </p:grpSpPr>
       <p:sp>
         <p:nvSpPr>
-          <p:cNvPr id="2" name="Title 1">
-            <a:extLst>
-              <a:ext uri="{FF2B5EF4-FFF2-40B4-BE49-F238E27FC236}">
-                <a16:creationId xmlns:a16="http://schemas.microsoft.com/office/drawing/2014/main" id="{BAFA45E2-F641-41E5-86D5-1639BF2FCE6B}"/>
-              </a:ext>
-            </a:extLst>
-          </p:cNvPr>
-          <p:cNvSpPr>
-            <a:spLocks noGrp="1"/>
-          </p:cNvSpPr>
-          <p:nvPr>
-            <p:ph type="ctrTitle"/>
-          </p:nvPr>
-        </p:nvSpPr>
-        <p:spPr/>
-        <p:txBody>
-          <a:bodyPr/>
-          <a:lstStyle/>
-          <a:p>
-            <a:endParaRPr lang="en-US"/>
-          </a:p>
-        </p:txBody>
-      </p:sp>
-      <p:sp>
-        <p:nvSpPr>
-          <p:cNvPr id="3" name="Subtitle 2">
-            <a:extLst>
-              <a:ext uri="{FF2B5EF4-FFF2-40B4-BE49-F238E27FC236}">
-                <a16:creationId xmlns:a16="http://schemas.microsoft.com/office/drawing/2014/main" id="{23158051-1DB6-45CB-8473-582B825E0E0D}"/>
-              </a:ext>
-            </a:extLst>
-          </p:cNvPr>
-          <p:cNvSpPr>
-            <a:spLocks noGrp="1"/>
-          </p:cNvSpPr>
-          <p:nvPr>
-            <p:ph type="subTitle" idx="1"/>
-          </p:nvPr>
-        </p:nvSpPr>
-        <p:spPr/>
-        <p:txBody>
-          <a:bodyPr/>
-          <a:lstStyle/>
-          <a:p>
-            <a:endParaRPr lang="en-US"/>
+          <p:cNvPr id="4" name="TextBox 3">
+            <a:extLst>
+              <a:ext uri="{FF2B5EF4-FFF2-40B4-BE49-F238E27FC236}">
+                <a16:creationId xmlns:a16="http://schemas.microsoft.com/office/drawing/2014/main" id="{6EA5A251-B6CB-44E3-A182-1C8E540DBD0F}"/>
+              </a:ext>
+            </a:extLst>
+          </p:cNvPr>
+          <p:cNvSpPr txBox="1"/>
+          <p:nvPr/>
+        </p:nvSpPr>
+        <p:spPr>
+          <a:xfrm>
+            <a:off x="4756466" y="415310"/>
+            <a:ext cx="2679067" cy="369332"/>
+          </a:xfrm>
+          <a:prstGeom prst="rect">
+            <a:avLst/>
+          </a:prstGeom>
+          <a:noFill/>
+        </p:spPr>
+        <p:txBody>
+          <a:bodyPr wrap="square" rtlCol="0">
+            <a:spAutoFit/>
+          </a:bodyPr>
+          <a:lstStyle/>
+          <a:p>
+            <a:r>
+              <a:rPr lang="en-US" dirty="0"/>
+              <a:t>Problem 2:  Esports Teams</a:t>
+            </a:r>
+          </a:p>
+        </p:txBody>
+      </p:sp>
+      <p:sp>
+        <p:nvSpPr>
+          <p:cNvPr id="5" name="Rectangle 4">
+            <a:extLst>
+              <a:ext uri="{FF2B5EF4-FFF2-40B4-BE49-F238E27FC236}">
+                <a16:creationId xmlns:a16="http://schemas.microsoft.com/office/drawing/2014/main" id="{C1668C4E-0243-4FF7-85D0-D187C1573305}"/>
+              </a:ext>
+            </a:extLst>
+          </p:cNvPr>
+          <p:cNvSpPr/>
+          <p:nvPr/>
+        </p:nvSpPr>
+        <p:spPr>
+          <a:xfrm>
+            <a:off x="5392655" y="2465159"/>
+            <a:ext cx="1099127" cy="554182"/>
+          </a:xfrm>
+          <a:prstGeom prst="rect">
+            <a:avLst/>
+          </a:prstGeom>
+        </p:spPr>
+        <p:style>
+          <a:lnRef idx="2">
+            <a:schemeClr val="accent1">
+              <a:shade val="50000"/>
+            </a:schemeClr>
+          </a:lnRef>
+          <a:fillRef idx="1">
+            <a:schemeClr val="accent1"/>
+          </a:fillRef>
+          <a:effectRef idx="0">
+            <a:schemeClr val="accent1"/>
+          </a:effectRef>
+          <a:fontRef idx="minor">
+            <a:schemeClr val="lt1"/>
+          </a:fontRef>
+        </p:style>
+        <p:txBody>
+          <a:bodyPr rtlCol="0" anchor="ctr"/>
+          <a:lstStyle/>
+          <a:p>
+            <a:pPr algn="ctr"/>
+            <a:r>
+              <a:rPr lang="en-US" dirty="0"/>
+              <a:t>Team</a:t>
+            </a:r>
+          </a:p>
+        </p:txBody>
+      </p:sp>
+      <p:sp>
+        <p:nvSpPr>
+          <p:cNvPr id="7" name="Rectangle 6">
+            <a:extLst>
+              <a:ext uri="{FF2B5EF4-FFF2-40B4-BE49-F238E27FC236}">
+                <a16:creationId xmlns:a16="http://schemas.microsoft.com/office/drawing/2014/main" id="{62700EE1-31A7-489C-B4EE-1718666C4458}"/>
+              </a:ext>
+            </a:extLst>
+          </p:cNvPr>
+          <p:cNvSpPr/>
+          <p:nvPr/>
+        </p:nvSpPr>
+        <p:spPr>
+          <a:xfrm>
+            <a:off x="8744663" y="2460474"/>
+            <a:ext cx="1099127" cy="554182"/>
+          </a:xfrm>
+          <a:prstGeom prst="rect">
+            <a:avLst/>
+          </a:prstGeom>
+        </p:spPr>
+        <p:style>
+          <a:lnRef idx="2">
+            <a:schemeClr val="accent1">
+              <a:shade val="50000"/>
+            </a:schemeClr>
+          </a:lnRef>
+          <a:fillRef idx="1">
+            <a:schemeClr val="accent1"/>
+          </a:fillRef>
+          <a:effectRef idx="0">
+            <a:schemeClr val="accent1"/>
+          </a:effectRef>
+          <a:fontRef idx="minor">
+            <a:schemeClr val="lt1"/>
+          </a:fontRef>
+        </p:style>
+        <p:txBody>
+          <a:bodyPr rtlCol="0" anchor="ctr"/>
+          <a:lstStyle/>
+          <a:p>
+            <a:pPr algn="ctr"/>
+            <a:r>
+              <a:rPr lang="en-US" dirty="0"/>
+              <a:t>Player</a:t>
+            </a:r>
+          </a:p>
+        </p:txBody>
+      </p:sp>
+      <p:sp>
+        <p:nvSpPr>
+          <p:cNvPr id="8" name="Flowchart: Terminator 7">
+            <a:extLst>
+              <a:ext uri="{FF2B5EF4-FFF2-40B4-BE49-F238E27FC236}">
+                <a16:creationId xmlns:a16="http://schemas.microsoft.com/office/drawing/2014/main" id="{587B66BD-BDAB-4BB4-80E5-66B6B0ED2859}"/>
+              </a:ext>
+            </a:extLst>
+          </p:cNvPr>
+          <p:cNvSpPr/>
+          <p:nvPr/>
+        </p:nvSpPr>
+        <p:spPr>
+          <a:xfrm>
+            <a:off x="10066080" y="3111582"/>
+            <a:ext cx="1191407" cy="369332"/>
+          </a:xfrm>
+          <a:prstGeom prst="flowChartTerminator">
+            <a:avLst/>
+          </a:prstGeom>
+        </p:spPr>
+        <p:style>
+          <a:lnRef idx="2">
+            <a:schemeClr val="accent1">
+              <a:shade val="50000"/>
+            </a:schemeClr>
+          </a:lnRef>
+          <a:fillRef idx="1">
+            <a:schemeClr val="accent1"/>
+          </a:fillRef>
+          <a:effectRef idx="0">
+            <a:schemeClr val="accent1"/>
+          </a:effectRef>
+          <a:fontRef idx="minor">
+            <a:schemeClr val="lt1"/>
+          </a:fontRef>
+        </p:style>
+        <p:txBody>
+          <a:bodyPr rtlCol="0" anchor="ctr"/>
+          <a:lstStyle/>
+          <a:p>
+            <a:pPr algn="ctr"/>
+            <a:r>
+              <a:rPr lang="en-US" dirty="0"/>
+              <a:t>Name</a:t>
+            </a:r>
+          </a:p>
+        </p:txBody>
+      </p:sp>
+      <p:sp>
+        <p:nvSpPr>
+          <p:cNvPr id="9" name="Flowchart: Terminator 8">
+            <a:extLst>
+              <a:ext uri="{FF2B5EF4-FFF2-40B4-BE49-F238E27FC236}">
+                <a16:creationId xmlns:a16="http://schemas.microsoft.com/office/drawing/2014/main" id="{1C2FDCE0-8D5A-47B1-9FDF-A69F0B8502F8}"/>
+              </a:ext>
+            </a:extLst>
+          </p:cNvPr>
+          <p:cNvSpPr/>
+          <p:nvPr/>
+        </p:nvSpPr>
+        <p:spPr>
+          <a:xfrm>
+            <a:off x="10066080" y="1969941"/>
+            <a:ext cx="1191407" cy="369332"/>
+          </a:xfrm>
+          <a:prstGeom prst="flowChartTerminator">
+            <a:avLst/>
+          </a:prstGeom>
+        </p:spPr>
+        <p:style>
+          <a:lnRef idx="2">
+            <a:schemeClr val="accent1">
+              <a:shade val="50000"/>
+            </a:schemeClr>
+          </a:lnRef>
+          <a:fillRef idx="1">
+            <a:schemeClr val="accent1"/>
+          </a:fillRef>
+          <a:effectRef idx="0">
+            <a:schemeClr val="accent1"/>
+          </a:effectRef>
+          <a:fontRef idx="minor">
+            <a:schemeClr val="lt1"/>
+          </a:fontRef>
+        </p:style>
+        <p:txBody>
+          <a:bodyPr rtlCol="0" anchor="ctr"/>
+          <a:lstStyle/>
+          <a:p>
+            <a:pPr algn="ctr"/>
+            <a:r>
+              <a:rPr lang="en-US" dirty="0"/>
+              <a:t>Age</a:t>
+            </a:r>
+          </a:p>
+        </p:txBody>
+      </p:sp>
+      <p:sp>
+        <p:nvSpPr>
+          <p:cNvPr id="10" name="Flowchart: Terminator 9">
+            <a:extLst>
+              <a:ext uri="{FF2B5EF4-FFF2-40B4-BE49-F238E27FC236}">
+                <a16:creationId xmlns:a16="http://schemas.microsoft.com/office/drawing/2014/main" id="{2143B357-6058-4A5C-BBB4-AF2A35493EBE}"/>
+              </a:ext>
+            </a:extLst>
+          </p:cNvPr>
+          <p:cNvSpPr/>
+          <p:nvPr/>
+        </p:nvSpPr>
+        <p:spPr>
+          <a:xfrm>
+            <a:off x="10066080" y="2460474"/>
+            <a:ext cx="1371993" cy="554181"/>
+          </a:xfrm>
+          <a:prstGeom prst="flowChartTerminator">
+            <a:avLst/>
+          </a:prstGeom>
+        </p:spPr>
+        <p:style>
+          <a:lnRef idx="2">
+            <a:schemeClr val="accent1">
+              <a:shade val="50000"/>
+            </a:schemeClr>
+          </a:lnRef>
+          <a:fillRef idx="1">
+            <a:schemeClr val="accent1"/>
+          </a:fillRef>
+          <a:effectRef idx="0">
+            <a:schemeClr val="accent1"/>
+          </a:effectRef>
+          <a:fontRef idx="minor">
+            <a:schemeClr val="lt1"/>
+          </a:fontRef>
+        </p:style>
+        <p:txBody>
+          <a:bodyPr rtlCol="0" anchor="ctr"/>
+          <a:lstStyle/>
+          <a:p>
+            <a:pPr algn="ctr"/>
+            <a:r>
+              <a:rPr lang="en-US" dirty="0"/>
+              <a:t>Preferred Character</a:t>
+            </a:r>
+          </a:p>
+        </p:txBody>
+      </p:sp>
+      <p:sp>
+        <p:nvSpPr>
+          <p:cNvPr id="11" name="Flowchart: Terminator 10">
+            <a:extLst>
+              <a:ext uri="{FF2B5EF4-FFF2-40B4-BE49-F238E27FC236}">
+                <a16:creationId xmlns:a16="http://schemas.microsoft.com/office/drawing/2014/main" id="{7F6ABEF6-EB68-432C-BF11-05E0DE45F9FF}"/>
+              </a:ext>
+            </a:extLst>
+          </p:cNvPr>
+          <p:cNvSpPr/>
+          <p:nvPr/>
+        </p:nvSpPr>
+        <p:spPr>
+          <a:xfrm>
+            <a:off x="4199432" y="1616211"/>
+            <a:ext cx="1416185" cy="369332"/>
+          </a:xfrm>
+          <a:prstGeom prst="flowChartTerminator">
+            <a:avLst/>
+          </a:prstGeom>
+        </p:spPr>
+        <p:style>
+          <a:lnRef idx="2">
+            <a:schemeClr val="accent1">
+              <a:shade val="50000"/>
+            </a:schemeClr>
+          </a:lnRef>
+          <a:fillRef idx="1">
+            <a:schemeClr val="accent1"/>
+          </a:fillRef>
+          <a:effectRef idx="0">
+            <a:schemeClr val="accent1"/>
+          </a:effectRef>
+          <a:fontRef idx="minor">
+            <a:schemeClr val="lt1"/>
+          </a:fontRef>
+        </p:style>
+        <p:txBody>
+          <a:bodyPr rtlCol="0" anchor="ctr"/>
+          <a:lstStyle/>
+          <a:p>
+            <a:pPr algn="ctr"/>
+            <a:r>
+              <a:rPr lang="en-US" dirty="0"/>
+              <a:t># of players</a:t>
+            </a:r>
+          </a:p>
+        </p:txBody>
+      </p:sp>
+      <p:sp>
+        <p:nvSpPr>
+          <p:cNvPr id="12" name="Flowchart: Terminator 11">
+            <a:extLst>
+              <a:ext uri="{FF2B5EF4-FFF2-40B4-BE49-F238E27FC236}">
+                <a16:creationId xmlns:a16="http://schemas.microsoft.com/office/drawing/2014/main" id="{D40AF3B4-DE2F-4D6C-8A0E-350B18AC2692}"/>
+              </a:ext>
+            </a:extLst>
+          </p:cNvPr>
+          <p:cNvSpPr/>
+          <p:nvPr/>
+        </p:nvSpPr>
+        <p:spPr>
+          <a:xfrm>
+            <a:off x="6191008" y="1617624"/>
+            <a:ext cx="1376045" cy="369332"/>
+          </a:xfrm>
+          <a:prstGeom prst="flowChartTerminator">
+            <a:avLst/>
+          </a:prstGeom>
+        </p:spPr>
+        <p:style>
+          <a:lnRef idx="2">
+            <a:schemeClr val="accent1">
+              <a:shade val="50000"/>
+            </a:schemeClr>
+          </a:lnRef>
+          <a:fillRef idx="1">
+            <a:schemeClr val="accent1"/>
+          </a:fillRef>
+          <a:effectRef idx="0">
+            <a:schemeClr val="accent1"/>
+          </a:effectRef>
+          <a:fontRef idx="minor">
+            <a:schemeClr val="lt1"/>
+          </a:fontRef>
+        </p:style>
+        <p:txBody>
+          <a:bodyPr rtlCol="0" anchor="ctr"/>
+          <a:lstStyle/>
+          <a:p>
+            <a:pPr algn="ctr"/>
+            <a:r>
+              <a:rPr lang="en-US" sz="1600" dirty="0"/>
+              <a:t>Brand/Name</a:t>
+            </a:r>
+          </a:p>
+        </p:txBody>
+      </p:sp>
+      <p:cxnSp>
+        <p:nvCxnSpPr>
+          <p:cNvPr id="14" name="Straight Connector 13">
+            <a:extLst>
+              <a:ext uri="{FF2B5EF4-FFF2-40B4-BE49-F238E27FC236}">
+                <a16:creationId xmlns:a16="http://schemas.microsoft.com/office/drawing/2014/main" id="{28E796F0-62EB-4590-84C1-EB587DDE06B3}"/>
+              </a:ext>
+            </a:extLst>
+          </p:cNvPr>
+          <p:cNvCxnSpPr>
+            <a:cxnSpLocks/>
+            <a:stCxn id="11" idx="3"/>
+            <a:endCxn id="5" idx="0"/>
+          </p:cNvCxnSpPr>
+          <p:nvPr/>
+        </p:nvCxnSpPr>
+        <p:spPr>
+          <a:xfrm>
+            <a:off x="5615617" y="1800877"/>
+            <a:ext cx="326602" cy="664282"/>
+          </a:xfrm>
+          <a:prstGeom prst="line">
+            <a:avLst/>
+          </a:prstGeom>
+        </p:spPr>
+        <p:style>
+          <a:lnRef idx="1">
+            <a:schemeClr val="accent1"/>
+          </a:lnRef>
+          <a:fillRef idx="0">
+            <a:schemeClr val="accent1"/>
+          </a:fillRef>
+          <a:effectRef idx="0">
+            <a:schemeClr val="accent1"/>
+          </a:effectRef>
+          <a:fontRef idx="minor">
+            <a:schemeClr val="tx1"/>
+          </a:fontRef>
+        </p:style>
+      </p:cxnSp>
+      <p:cxnSp>
+        <p:nvCxnSpPr>
+          <p:cNvPr id="16" name="Straight Connector 15">
+            <a:extLst>
+              <a:ext uri="{FF2B5EF4-FFF2-40B4-BE49-F238E27FC236}">
+                <a16:creationId xmlns:a16="http://schemas.microsoft.com/office/drawing/2014/main" id="{FAB353E1-6F5A-43DB-AE79-B2EE7B3200C7}"/>
+              </a:ext>
+            </a:extLst>
+          </p:cNvPr>
+          <p:cNvCxnSpPr>
+            <a:cxnSpLocks/>
+            <a:stCxn id="12" idx="1"/>
+            <a:endCxn id="5" idx="0"/>
+          </p:cNvCxnSpPr>
+          <p:nvPr/>
+        </p:nvCxnSpPr>
+        <p:spPr>
+          <a:xfrm flipH="1">
+            <a:off x="5942219" y="1802290"/>
+            <a:ext cx="248789" cy="662869"/>
+          </a:xfrm>
+          <a:prstGeom prst="line">
+            <a:avLst/>
+          </a:prstGeom>
+        </p:spPr>
+        <p:style>
+          <a:lnRef idx="1">
+            <a:schemeClr val="accent1"/>
+          </a:lnRef>
+          <a:fillRef idx="0">
+            <a:schemeClr val="accent1"/>
+          </a:fillRef>
+          <a:effectRef idx="0">
+            <a:schemeClr val="accent1"/>
+          </a:effectRef>
+          <a:fontRef idx="minor">
+            <a:schemeClr val="tx1"/>
+          </a:fontRef>
+        </p:style>
+      </p:cxnSp>
+      <p:sp>
+        <p:nvSpPr>
+          <p:cNvPr id="17" name="Flowchart: Decision 16">
+            <a:extLst>
+              <a:ext uri="{FF2B5EF4-FFF2-40B4-BE49-F238E27FC236}">
+                <a16:creationId xmlns:a16="http://schemas.microsoft.com/office/drawing/2014/main" id="{443C89F9-1AE9-42D9-BAD7-996AC2A06FAB}"/>
+              </a:ext>
+            </a:extLst>
+          </p:cNvPr>
+          <p:cNvSpPr/>
+          <p:nvPr/>
+        </p:nvSpPr>
+        <p:spPr>
+          <a:xfrm>
+            <a:off x="6946093" y="2339273"/>
+            <a:ext cx="1344259" cy="796585"/>
+          </a:xfrm>
+          <a:prstGeom prst="flowChartDecision">
+            <a:avLst/>
+          </a:prstGeom>
+        </p:spPr>
+        <p:style>
+          <a:lnRef idx="2">
+            <a:schemeClr val="accent1">
+              <a:shade val="50000"/>
+            </a:schemeClr>
+          </a:lnRef>
+          <a:fillRef idx="1">
+            <a:schemeClr val="accent1"/>
+          </a:fillRef>
+          <a:effectRef idx="0">
+            <a:schemeClr val="accent1"/>
+          </a:effectRef>
+          <a:fontRef idx="minor">
+            <a:schemeClr val="lt1"/>
+          </a:fontRef>
+        </p:style>
+        <p:txBody>
+          <a:bodyPr rtlCol="0" anchor="ctr"/>
+          <a:lstStyle/>
+          <a:p>
+            <a:pPr algn="ctr"/>
+            <a:r>
+              <a:rPr lang="en-US" sz="1400" dirty="0"/>
+              <a:t>Signed</a:t>
+            </a:r>
+          </a:p>
+        </p:txBody>
+      </p:sp>
+      <p:cxnSp>
+        <p:nvCxnSpPr>
+          <p:cNvPr id="19" name="Straight Connector 18">
+            <a:extLst>
+              <a:ext uri="{FF2B5EF4-FFF2-40B4-BE49-F238E27FC236}">
+                <a16:creationId xmlns:a16="http://schemas.microsoft.com/office/drawing/2014/main" id="{8BA92E50-876B-4610-87CC-FDB5AC548992}"/>
+              </a:ext>
+            </a:extLst>
+          </p:cNvPr>
+          <p:cNvCxnSpPr>
+            <a:stCxn id="5" idx="3"/>
+            <a:endCxn id="17" idx="1"/>
+          </p:cNvCxnSpPr>
+          <p:nvPr/>
+        </p:nvCxnSpPr>
+        <p:spPr>
+          <a:xfrm flipV="1">
+            <a:off x="6491782" y="2737566"/>
+            <a:ext cx="454311" cy="4684"/>
+          </a:xfrm>
+          <a:prstGeom prst="line">
+            <a:avLst/>
+          </a:prstGeom>
+        </p:spPr>
+        <p:style>
+          <a:lnRef idx="1">
+            <a:schemeClr val="accent1"/>
+          </a:lnRef>
+          <a:fillRef idx="0">
+            <a:schemeClr val="accent1"/>
+          </a:fillRef>
+          <a:effectRef idx="0">
+            <a:schemeClr val="accent1"/>
+          </a:effectRef>
+          <a:fontRef idx="minor">
+            <a:schemeClr val="tx1"/>
+          </a:fontRef>
+        </p:style>
+      </p:cxnSp>
+      <p:cxnSp>
+        <p:nvCxnSpPr>
+          <p:cNvPr id="21" name="Straight Connector 20">
+            <a:extLst>
+              <a:ext uri="{FF2B5EF4-FFF2-40B4-BE49-F238E27FC236}">
+                <a16:creationId xmlns:a16="http://schemas.microsoft.com/office/drawing/2014/main" id="{70968174-07F4-496C-9B25-05CD70A04A43}"/>
+              </a:ext>
+            </a:extLst>
+          </p:cNvPr>
+          <p:cNvCxnSpPr>
+            <a:stCxn id="17" idx="3"/>
+            <a:endCxn id="7" idx="1"/>
+          </p:cNvCxnSpPr>
+          <p:nvPr/>
+        </p:nvCxnSpPr>
+        <p:spPr>
+          <a:xfrm flipV="1">
+            <a:off x="8290352" y="2737565"/>
+            <a:ext cx="454311" cy="1"/>
+          </a:xfrm>
+          <a:prstGeom prst="line">
+            <a:avLst/>
+          </a:prstGeom>
+        </p:spPr>
+        <p:style>
+          <a:lnRef idx="1">
+            <a:schemeClr val="accent1"/>
+          </a:lnRef>
+          <a:fillRef idx="0">
+            <a:schemeClr val="accent1"/>
+          </a:fillRef>
+          <a:effectRef idx="0">
+            <a:schemeClr val="accent1"/>
+          </a:effectRef>
+          <a:fontRef idx="minor">
+            <a:schemeClr val="tx1"/>
+          </a:fontRef>
+        </p:style>
+      </p:cxnSp>
+      <p:sp>
+        <p:nvSpPr>
+          <p:cNvPr id="22" name="Rectangle 21">
+            <a:extLst>
+              <a:ext uri="{FF2B5EF4-FFF2-40B4-BE49-F238E27FC236}">
+                <a16:creationId xmlns:a16="http://schemas.microsoft.com/office/drawing/2014/main" id="{D01135C3-994F-413A-A899-B1300143CDD3}"/>
+              </a:ext>
+            </a:extLst>
+          </p:cNvPr>
+          <p:cNvSpPr/>
+          <p:nvPr/>
+        </p:nvSpPr>
+        <p:spPr>
+          <a:xfrm>
+            <a:off x="1798646" y="2459609"/>
+            <a:ext cx="1099127" cy="554182"/>
+          </a:xfrm>
+          <a:prstGeom prst="rect">
+            <a:avLst/>
+          </a:prstGeom>
+        </p:spPr>
+        <p:style>
+          <a:lnRef idx="2">
+            <a:schemeClr val="accent1">
+              <a:shade val="50000"/>
+            </a:schemeClr>
+          </a:lnRef>
+          <a:fillRef idx="1">
+            <a:schemeClr val="accent1"/>
+          </a:fillRef>
+          <a:effectRef idx="0">
+            <a:schemeClr val="accent1"/>
+          </a:effectRef>
+          <a:fontRef idx="minor">
+            <a:schemeClr val="lt1"/>
+          </a:fontRef>
+        </p:style>
+        <p:txBody>
+          <a:bodyPr rtlCol="0" anchor="ctr"/>
+          <a:lstStyle/>
+          <a:p>
+            <a:pPr algn="ctr"/>
+            <a:r>
+              <a:rPr lang="en-US" dirty="0"/>
+              <a:t>Match</a:t>
+            </a:r>
+          </a:p>
+        </p:txBody>
+      </p:sp>
+      <p:cxnSp>
+        <p:nvCxnSpPr>
+          <p:cNvPr id="33" name="Straight Connector 32">
+            <a:extLst>
+              <a:ext uri="{FF2B5EF4-FFF2-40B4-BE49-F238E27FC236}">
+                <a16:creationId xmlns:a16="http://schemas.microsoft.com/office/drawing/2014/main" id="{0F6775AD-27EE-425A-A7F7-E0E9FDC063D7}"/>
+              </a:ext>
+            </a:extLst>
+          </p:cNvPr>
+          <p:cNvCxnSpPr>
+            <a:stCxn id="9" idx="1"/>
+            <a:endCxn id="7" idx="3"/>
+          </p:cNvCxnSpPr>
+          <p:nvPr/>
+        </p:nvCxnSpPr>
+        <p:spPr>
+          <a:xfrm flipH="1">
+            <a:off x="9843790" y="2154607"/>
+            <a:ext cx="222290" cy="582958"/>
+          </a:xfrm>
+          <a:prstGeom prst="line">
+            <a:avLst/>
+          </a:prstGeom>
+        </p:spPr>
+        <p:style>
+          <a:lnRef idx="1">
+            <a:schemeClr val="accent1"/>
+          </a:lnRef>
+          <a:fillRef idx="0">
+            <a:schemeClr val="accent1"/>
+          </a:fillRef>
+          <a:effectRef idx="0">
+            <a:schemeClr val="accent1"/>
+          </a:effectRef>
+          <a:fontRef idx="minor">
+            <a:schemeClr val="tx1"/>
+          </a:fontRef>
+        </p:style>
+      </p:cxnSp>
+      <p:cxnSp>
+        <p:nvCxnSpPr>
+          <p:cNvPr id="35" name="Straight Connector 34">
+            <a:extLst>
+              <a:ext uri="{FF2B5EF4-FFF2-40B4-BE49-F238E27FC236}">
+                <a16:creationId xmlns:a16="http://schemas.microsoft.com/office/drawing/2014/main" id="{B796BC07-AF81-4AF7-BFF1-F08A7752FDB8}"/>
+              </a:ext>
+            </a:extLst>
+          </p:cNvPr>
+          <p:cNvCxnSpPr>
+            <a:stCxn id="7" idx="3"/>
+            <a:endCxn id="10" idx="1"/>
+          </p:cNvCxnSpPr>
+          <p:nvPr/>
+        </p:nvCxnSpPr>
+        <p:spPr>
+          <a:xfrm>
+            <a:off x="9843790" y="2737565"/>
+            <a:ext cx="222290" cy="0"/>
+          </a:xfrm>
+          <a:prstGeom prst="line">
+            <a:avLst/>
+          </a:prstGeom>
+        </p:spPr>
+        <p:style>
+          <a:lnRef idx="1">
+            <a:schemeClr val="accent1"/>
+          </a:lnRef>
+          <a:fillRef idx="0">
+            <a:schemeClr val="accent1"/>
+          </a:fillRef>
+          <a:effectRef idx="0">
+            <a:schemeClr val="accent1"/>
+          </a:effectRef>
+          <a:fontRef idx="minor">
+            <a:schemeClr val="tx1"/>
+          </a:fontRef>
+        </p:style>
+      </p:cxnSp>
+      <p:cxnSp>
+        <p:nvCxnSpPr>
+          <p:cNvPr id="37" name="Straight Connector 36">
+            <a:extLst>
+              <a:ext uri="{FF2B5EF4-FFF2-40B4-BE49-F238E27FC236}">
+                <a16:creationId xmlns:a16="http://schemas.microsoft.com/office/drawing/2014/main" id="{531F7D48-7150-48BF-9D07-179DEB60F2EA}"/>
+              </a:ext>
+            </a:extLst>
+          </p:cNvPr>
+          <p:cNvCxnSpPr>
+            <a:endCxn id="8" idx="1"/>
+          </p:cNvCxnSpPr>
+          <p:nvPr/>
+        </p:nvCxnSpPr>
+        <p:spPr>
+          <a:xfrm>
+            <a:off x="9843790" y="2737564"/>
+            <a:ext cx="222290" cy="558684"/>
+          </a:xfrm>
+          <a:prstGeom prst="line">
+            <a:avLst/>
+          </a:prstGeom>
+        </p:spPr>
+        <p:style>
+          <a:lnRef idx="1">
+            <a:schemeClr val="accent1"/>
+          </a:lnRef>
+          <a:fillRef idx="0">
+            <a:schemeClr val="accent1"/>
+          </a:fillRef>
+          <a:effectRef idx="0">
+            <a:schemeClr val="accent1"/>
+          </a:effectRef>
+          <a:fontRef idx="minor">
+            <a:schemeClr val="tx1"/>
+          </a:fontRef>
+        </p:style>
+      </p:cxnSp>
+      <p:sp>
+        <p:nvSpPr>
+          <p:cNvPr id="40" name="Flowchart: Terminator 39">
+            <a:extLst>
+              <a:ext uri="{FF2B5EF4-FFF2-40B4-BE49-F238E27FC236}">
+                <a16:creationId xmlns:a16="http://schemas.microsoft.com/office/drawing/2014/main" id="{BCBACE4E-8A3B-427B-8BCE-15EF4961F991}"/>
+              </a:ext>
+            </a:extLst>
+          </p:cNvPr>
+          <p:cNvSpPr/>
+          <p:nvPr/>
+        </p:nvSpPr>
+        <p:spPr>
+          <a:xfrm>
+            <a:off x="480344" y="2552034"/>
+            <a:ext cx="1191407" cy="369332"/>
+          </a:xfrm>
+          <a:prstGeom prst="flowChartTerminator">
+            <a:avLst/>
+          </a:prstGeom>
+        </p:spPr>
+        <p:style>
+          <a:lnRef idx="2">
+            <a:schemeClr val="accent6">
+              <a:shade val="50000"/>
+            </a:schemeClr>
+          </a:lnRef>
+          <a:fillRef idx="1">
+            <a:schemeClr val="accent6"/>
+          </a:fillRef>
+          <a:effectRef idx="0">
+            <a:schemeClr val="accent6"/>
+          </a:effectRef>
+          <a:fontRef idx="minor">
+            <a:schemeClr val="lt1"/>
+          </a:fontRef>
+        </p:style>
+        <p:txBody>
+          <a:bodyPr rtlCol="0" anchor="ctr"/>
+          <a:lstStyle/>
+          <a:p>
+            <a:pPr algn="ctr"/>
+            <a:r>
+              <a:rPr lang="en-US" dirty="0"/>
+              <a:t>Match #</a:t>
+            </a:r>
+          </a:p>
+        </p:txBody>
+      </p:sp>
+      <p:sp>
+        <p:nvSpPr>
+          <p:cNvPr id="41" name="Rectangle 40">
+            <a:extLst>
+              <a:ext uri="{FF2B5EF4-FFF2-40B4-BE49-F238E27FC236}">
+                <a16:creationId xmlns:a16="http://schemas.microsoft.com/office/drawing/2014/main" id="{5EAE8AAB-E779-42F3-869A-BF56C2FE1070}"/>
+              </a:ext>
+            </a:extLst>
+          </p:cNvPr>
+          <p:cNvSpPr/>
+          <p:nvPr/>
+        </p:nvSpPr>
+        <p:spPr>
+          <a:xfrm>
+            <a:off x="3598327" y="4058160"/>
+            <a:ext cx="1099127" cy="554182"/>
+          </a:xfrm>
+          <a:prstGeom prst="rect">
+            <a:avLst/>
+          </a:prstGeom>
+        </p:spPr>
+        <p:style>
+          <a:lnRef idx="2">
+            <a:schemeClr val="accent1">
+              <a:shade val="50000"/>
+            </a:schemeClr>
+          </a:lnRef>
+          <a:fillRef idx="1">
+            <a:schemeClr val="accent1"/>
+          </a:fillRef>
+          <a:effectRef idx="0">
+            <a:schemeClr val="accent1"/>
+          </a:effectRef>
+          <a:fontRef idx="minor">
+            <a:schemeClr val="lt1"/>
+          </a:fontRef>
+        </p:style>
+        <p:txBody>
+          <a:bodyPr rtlCol="0" anchor="ctr"/>
+          <a:lstStyle/>
+          <a:p>
+            <a:pPr algn="ctr"/>
+            <a:r>
+              <a:rPr lang="en-US" dirty="0"/>
+              <a:t>Outcome</a:t>
+            </a:r>
+          </a:p>
+        </p:txBody>
+      </p:sp>
+      <p:sp>
+        <p:nvSpPr>
+          <p:cNvPr id="47" name="Flowchart: Terminator 46">
+            <a:extLst>
+              <a:ext uri="{FF2B5EF4-FFF2-40B4-BE49-F238E27FC236}">
+                <a16:creationId xmlns:a16="http://schemas.microsoft.com/office/drawing/2014/main" id="{7E93057F-ECDF-4B03-B551-60C2180B5630}"/>
+              </a:ext>
+            </a:extLst>
+          </p:cNvPr>
+          <p:cNvSpPr/>
+          <p:nvPr/>
+        </p:nvSpPr>
+        <p:spPr>
+          <a:xfrm>
+            <a:off x="6044556" y="1080737"/>
+            <a:ext cx="1416185" cy="369332"/>
+          </a:xfrm>
+          <a:prstGeom prst="flowChartTerminator">
+            <a:avLst/>
+          </a:prstGeom>
+        </p:spPr>
+        <p:style>
+          <a:lnRef idx="2">
+            <a:schemeClr val="accent6">
+              <a:shade val="50000"/>
+            </a:schemeClr>
+          </a:lnRef>
+          <a:fillRef idx="1">
+            <a:schemeClr val="accent6"/>
+          </a:fillRef>
+          <a:effectRef idx="0">
+            <a:schemeClr val="accent6"/>
+          </a:effectRef>
+          <a:fontRef idx="minor">
+            <a:schemeClr val="lt1"/>
+          </a:fontRef>
+        </p:style>
+        <p:txBody>
+          <a:bodyPr rtlCol="0" anchor="ctr"/>
+          <a:lstStyle/>
+          <a:p>
+            <a:pPr algn="ctr"/>
+            <a:r>
+              <a:rPr lang="en-US" dirty="0"/>
+              <a:t>Team ID</a:t>
+            </a:r>
+          </a:p>
+        </p:txBody>
+      </p:sp>
+      <p:cxnSp>
+        <p:nvCxnSpPr>
+          <p:cNvPr id="49" name="Straight Connector 48">
+            <a:extLst>
+              <a:ext uri="{FF2B5EF4-FFF2-40B4-BE49-F238E27FC236}">
+                <a16:creationId xmlns:a16="http://schemas.microsoft.com/office/drawing/2014/main" id="{673B1155-9893-4B3E-871A-4AE0153924F5}"/>
+              </a:ext>
+            </a:extLst>
+          </p:cNvPr>
+          <p:cNvCxnSpPr>
+            <a:cxnSpLocks/>
+            <a:stCxn id="47" idx="1"/>
+            <a:endCxn id="5" idx="0"/>
+          </p:cNvCxnSpPr>
+          <p:nvPr/>
+        </p:nvCxnSpPr>
+        <p:spPr>
+          <a:xfrm flipH="1">
+            <a:off x="5942219" y="1265403"/>
+            <a:ext cx="102337" cy="1199756"/>
+          </a:xfrm>
+          <a:prstGeom prst="line">
+            <a:avLst/>
+          </a:prstGeom>
+        </p:spPr>
+        <p:style>
+          <a:lnRef idx="1">
+            <a:schemeClr val="accent1"/>
+          </a:lnRef>
+          <a:fillRef idx="0">
+            <a:schemeClr val="accent1"/>
+          </a:fillRef>
+          <a:effectRef idx="0">
+            <a:schemeClr val="accent1"/>
+          </a:effectRef>
+          <a:fontRef idx="minor">
+            <a:schemeClr val="tx1"/>
+          </a:fontRef>
+        </p:style>
+      </p:cxnSp>
+      <p:sp>
+        <p:nvSpPr>
+          <p:cNvPr id="52" name="Flowchart: Terminator 51">
+            <a:extLst>
+              <a:ext uri="{FF2B5EF4-FFF2-40B4-BE49-F238E27FC236}">
+                <a16:creationId xmlns:a16="http://schemas.microsoft.com/office/drawing/2014/main" id="{A3671166-BD2D-44D1-814C-0666158CEB76}"/>
+              </a:ext>
+            </a:extLst>
+          </p:cNvPr>
+          <p:cNvSpPr/>
+          <p:nvPr/>
+        </p:nvSpPr>
+        <p:spPr>
+          <a:xfrm>
+            <a:off x="8698522" y="1857702"/>
+            <a:ext cx="1191407" cy="369332"/>
+          </a:xfrm>
+          <a:prstGeom prst="flowChartTerminator">
+            <a:avLst/>
+          </a:prstGeom>
+        </p:spPr>
+        <p:style>
+          <a:lnRef idx="2">
+            <a:schemeClr val="accent6">
+              <a:shade val="50000"/>
+            </a:schemeClr>
+          </a:lnRef>
+          <a:fillRef idx="1">
+            <a:schemeClr val="accent6"/>
+          </a:fillRef>
+          <a:effectRef idx="0">
+            <a:schemeClr val="accent6"/>
+          </a:effectRef>
+          <a:fontRef idx="minor">
+            <a:schemeClr val="lt1"/>
+          </a:fontRef>
+        </p:style>
+        <p:txBody>
+          <a:bodyPr rtlCol="0" anchor="ctr"/>
+          <a:lstStyle/>
+          <a:p>
+            <a:pPr algn="ctr"/>
+            <a:r>
+              <a:rPr lang="en-US" dirty="0"/>
+              <a:t>Player ID</a:t>
+            </a:r>
+          </a:p>
+        </p:txBody>
+      </p:sp>
+      <p:cxnSp>
+        <p:nvCxnSpPr>
+          <p:cNvPr id="54" name="Straight Connector 53">
+            <a:extLst>
+              <a:ext uri="{FF2B5EF4-FFF2-40B4-BE49-F238E27FC236}">
+                <a16:creationId xmlns:a16="http://schemas.microsoft.com/office/drawing/2014/main" id="{EC0CADC0-A08D-4433-8241-B388B6A21709}"/>
+              </a:ext>
+            </a:extLst>
+          </p:cNvPr>
+          <p:cNvCxnSpPr>
+            <a:stCxn id="52" idx="2"/>
+            <a:endCxn id="7" idx="0"/>
+          </p:cNvCxnSpPr>
+          <p:nvPr/>
+        </p:nvCxnSpPr>
+        <p:spPr>
+          <a:xfrm>
+            <a:off x="9294226" y="2227034"/>
+            <a:ext cx="1" cy="233440"/>
+          </a:xfrm>
+          <a:prstGeom prst="line">
+            <a:avLst/>
+          </a:prstGeom>
+        </p:spPr>
+        <p:style>
+          <a:lnRef idx="1">
+            <a:schemeClr val="accent1"/>
+          </a:lnRef>
+          <a:fillRef idx="0">
+            <a:schemeClr val="accent1"/>
+          </a:fillRef>
+          <a:effectRef idx="0">
+            <a:schemeClr val="accent1"/>
+          </a:effectRef>
+          <a:fontRef idx="minor">
+            <a:schemeClr val="tx1"/>
+          </a:fontRef>
+        </p:style>
+      </p:cxnSp>
+      <p:sp>
+        <p:nvSpPr>
+          <p:cNvPr id="55" name="Flowchart: Decision 54">
+            <a:extLst>
+              <a:ext uri="{FF2B5EF4-FFF2-40B4-BE49-F238E27FC236}">
+                <a16:creationId xmlns:a16="http://schemas.microsoft.com/office/drawing/2014/main" id="{B849B5AB-2269-4D05-84EA-54960B8B7321}"/>
+              </a:ext>
+            </a:extLst>
+          </p:cNvPr>
+          <p:cNvSpPr/>
+          <p:nvPr/>
+        </p:nvSpPr>
+        <p:spPr>
+          <a:xfrm>
+            <a:off x="3475762" y="2275874"/>
+            <a:ext cx="1344259" cy="934401"/>
+          </a:xfrm>
+          <a:prstGeom prst="flowChartDecision">
+            <a:avLst/>
+          </a:prstGeom>
+        </p:spPr>
+        <p:style>
+          <a:lnRef idx="2">
+            <a:schemeClr val="accent1">
+              <a:shade val="50000"/>
+            </a:schemeClr>
+          </a:lnRef>
+          <a:fillRef idx="1">
+            <a:schemeClr val="accent1"/>
+          </a:fillRef>
+          <a:effectRef idx="0">
+            <a:schemeClr val="accent1"/>
+          </a:effectRef>
+          <a:fontRef idx="minor">
+            <a:schemeClr val="lt1"/>
+          </a:fontRef>
+        </p:style>
+        <p:txBody>
+          <a:bodyPr rtlCol="0" anchor="ctr"/>
+          <a:lstStyle/>
+          <a:p>
+            <a:pPr algn="ctr"/>
+            <a:r>
+              <a:rPr lang="en-US" dirty="0"/>
+              <a:t>Play</a:t>
+            </a:r>
+          </a:p>
+        </p:txBody>
+      </p:sp>
+      <p:cxnSp>
+        <p:nvCxnSpPr>
+          <p:cNvPr id="57" name="Straight Connector 56">
+            <a:extLst>
+              <a:ext uri="{FF2B5EF4-FFF2-40B4-BE49-F238E27FC236}">
+                <a16:creationId xmlns:a16="http://schemas.microsoft.com/office/drawing/2014/main" id="{F3531653-947C-4B99-8BD1-1772B79511CF}"/>
+              </a:ext>
+            </a:extLst>
+          </p:cNvPr>
+          <p:cNvCxnSpPr>
+            <a:cxnSpLocks/>
+            <a:stCxn id="5" idx="1"/>
+            <a:endCxn id="55" idx="3"/>
+          </p:cNvCxnSpPr>
+          <p:nvPr/>
+        </p:nvCxnSpPr>
+        <p:spPr>
+          <a:xfrm flipH="1">
+            <a:off x="4820021" y="2742250"/>
+            <a:ext cx="572634" cy="825"/>
+          </a:xfrm>
+          <a:prstGeom prst="line">
+            <a:avLst/>
+          </a:prstGeom>
+        </p:spPr>
+        <p:style>
+          <a:lnRef idx="1">
+            <a:schemeClr val="accent1"/>
+          </a:lnRef>
+          <a:fillRef idx="0">
+            <a:schemeClr val="accent1"/>
+          </a:fillRef>
+          <a:effectRef idx="0">
+            <a:schemeClr val="accent1"/>
+          </a:effectRef>
+          <a:fontRef idx="minor">
+            <a:schemeClr val="tx1"/>
+          </a:fontRef>
+        </p:style>
+      </p:cxnSp>
+      <p:cxnSp>
+        <p:nvCxnSpPr>
+          <p:cNvPr id="61" name="Straight Connector 60">
+            <a:extLst>
+              <a:ext uri="{FF2B5EF4-FFF2-40B4-BE49-F238E27FC236}">
+                <a16:creationId xmlns:a16="http://schemas.microsoft.com/office/drawing/2014/main" id="{241AD72D-B37C-44BF-8558-4BFA2840F59A}"/>
+              </a:ext>
+            </a:extLst>
+          </p:cNvPr>
+          <p:cNvCxnSpPr>
+            <a:cxnSpLocks/>
+            <a:stCxn id="55" idx="1"/>
+            <a:endCxn id="22" idx="3"/>
+          </p:cNvCxnSpPr>
+          <p:nvPr/>
+        </p:nvCxnSpPr>
+        <p:spPr>
+          <a:xfrm flipH="1" flipV="1">
+            <a:off x="2897773" y="2736700"/>
+            <a:ext cx="577989" cy="6375"/>
+          </a:xfrm>
+          <a:prstGeom prst="line">
+            <a:avLst/>
+          </a:prstGeom>
+        </p:spPr>
+        <p:style>
+          <a:lnRef idx="1">
+            <a:schemeClr val="accent1"/>
+          </a:lnRef>
+          <a:fillRef idx="0">
+            <a:schemeClr val="accent1"/>
+          </a:fillRef>
+          <a:effectRef idx="0">
+            <a:schemeClr val="accent1"/>
+          </a:effectRef>
+          <a:fontRef idx="minor">
+            <a:schemeClr val="tx1"/>
+          </a:fontRef>
+        </p:style>
+      </p:cxnSp>
+      <p:cxnSp>
+        <p:nvCxnSpPr>
+          <p:cNvPr id="63" name="Straight Connector 62">
+            <a:extLst>
+              <a:ext uri="{FF2B5EF4-FFF2-40B4-BE49-F238E27FC236}">
+                <a16:creationId xmlns:a16="http://schemas.microsoft.com/office/drawing/2014/main" id="{744B0944-0678-43A3-BED4-A07A6817B25B}"/>
+              </a:ext>
+            </a:extLst>
+          </p:cNvPr>
+          <p:cNvCxnSpPr>
+            <a:stCxn id="40" idx="3"/>
+            <a:endCxn id="22" idx="1"/>
+          </p:cNvCxnSpPr>
+          <p:nvPr/>
+        </p:nvCxnSpPr>
+        <p:spPr>
+          <a:xfrm>
+            <a:off x="1671751" y="2736700"/>
+            <a:ext cx="126895" cy="0"/>
+          </a:xfrm>
+          <a:prstGeom prst="line">
+            <a:avLst/>
+          </a:prstGeom>
+        </p:spPr>
+        <p:style>
+          <a:lnRef idx="1">
+            <a:schemeClr val="accent1"/>
+          </a:lnRef>
+          <a:fillRef idx="0">
+            <a:schemeClr val="accent1"/>
+          </a:fillRef>
+          <a:effectRef idx="0">
+            <a:schemeClr val="accent1"/>
+          </a:effectRef>
+          <a:fontRef idx="minor">
+            <a:schemeClr val="tx1"/>
+          </a:fontRef>
+        </p:style>
+      </p:cxnSp>
+      <p:cxnSp>
+        <p:nvCxnSpPr>
+          <p:cNvPr id="68" name="Straight Connector 67">
+            <a:extLst>
+              <a:ext uri="{FF2B5EF4-FFF2-40B4-BE49-F238E27FC236}">
+                <a16:creationId xmlns:a16="http://schemas.microsoft.com/office/drawing/2014/main" id="{9F8C4F5A-0F9A-4A38-A9E7-E27E7B42325D}"/>
+              </a:ext>
+            </a:extLst>
+          </p:cNvPr>
+          <p:cNvCxnSpPr>
+            <a:cxnSpLocks/>
+            <a:stCxn id="55" idx="2"/>
+            <a:endCxn id="41" idx="0"/>
+          </p:cNvCxnSpPr>
+          <p:nvPr/>
+        </p:nvCxnSpPr>
+        <p:spPr>
+          <a:xfrm flipH="1">
+            <a:off x="4147891" y="3210275"/>
+            <a:ext cx="1" cy="847885"/>
+          </a:xfrm>
+          <a:prstGeom prst="line">
+            <a:avLst/>
+          </a:prstGeom>
+        </p:spPr>
+        <p:style>
+          <a:lnRef idx="1">
+            <a:schemeClr val="accent1"/>
+          </a:lnRef>
+          <a:fillRef idx="0">
+            <a:schemeClr val="accent1"/>
+          </a:fillRef>
+          <a:effectRef idx="0">
+            <a:schemeClr val="accent1"/>
+          </a:effectRef>
+          <a:fontRef idx="minor">
+            <a:schemeClr val="tx1"/>
+          </a:fontRef>
+        </p:style>
+      </p:cxnSp>
+      <p:sp>
+        <p:nvSpPr>
+          <p:cNvPr id="75" name="Flowchart: Terminator 74">
+            <a:extLst>
+              <a:ext uri="{FF2B5EF4-FFF2-40B4-BE49-F238E27FC236}">
+                <a16:creationId xmlns:a16="http://schemas.microsoft.com/office/drawing/2014/main" id="{2A80D8FD-E038-4D8C-972B-F173941ED041}"/>
+              </a:ext>
+            </a:extLst>
+          </p:cNvPr>
+          <p:cNvSpPr/>
+          <p:nvPr/>
+        </p:nvSpPr>
+        <p:spPr>
+          <a:xfrm>
+            <a:off x="2880058" y="4855256"/>
+            <a:ext cx="1191407" cy="369332"/>
+          </a:xfrm>
+          <a:prstGeom prst="flowChartTerminator">
+            <a:avLst/>
+          </a:prstGeom>
+        </p:spPr>
+        <p:style>
+          <a:lnRef idx="2">
+            <a:schemeClr val="accent2">
+              <a:shade val="50000"/>
+            </a:schemeClr>
+          </a:lnRef>
+          <a:fillRef idx="1">
+            <a:schemeClr val="accent2"/>
+          </a:fillRef>
+          <a:effectRef idx="0">
+            <a:schemeClr val="accent2"/>
+          </a:effectRef>
+          <a:fontRef idx="minor">
+            <a:schemeClr val="lt1"/>
+          </a:fontRef>
+        </p:style>
+        <p:txBody>
+          <a:bodyPr rtlCol="0" anchor="ctr"/>
+          <a:lstStyle/>
+          <a:p>
+            <a:pPr algn="ctr"/>
+            <a:r>
+              <a:rPr lang="en-US" dirty="0"/>
+              <a:t>Match #</a:t>
+            </a:r>
+          </a:p>
+        </p:txBody>
+      </p:sp>
+      <p:sp>
+        <p:nvSpPr>
+          <p:cNvPr id="76" name="Flowchart: Terminator 75">
+            <a:extLst>
+              <a:ext uri="{FF2B5EF4-FFF2-40B4-BE49-F238E27FC236}">
+                <a16:creationId xmlns:a16="http://schemas.microsoft.com/office/drawing/2014/main" id="{9EE439B7-FE3E-48F7-B293-F24C766B62D9}"/>
+              </a:ext>
+            </a:extLst>
+          </p:cNvPr>
+          <p:cNvSpPr/>
+          <p:nvPr/>
+        </p:nvSpPr>
+        <p:spPr>
+          <a:xfrm>
+            <a:off x="4199432" y="4855256"/>
+            <a:ext cx="1191407" cy="369332"/>
+          </a:xfrm>
+          <a:prstGeom prst="flowChartTerminator">
+            <a:avLst/>
+          </a:prstGeom>
+        </p:spPr>
+        <p:style>
+          <a:lnRef idx="2">
+            <a:schemeClr val="accent2">
+              <a:shade val="50000"/>
+            </a:schemeClr>
+          </a:lnRef>
+          <a:fillRef idx="1">
+            <a:schemeClr val="accent2"/>
+          </a:fillRef>
+          <a:effectRef idx="0">
+            <a:schemeClr val="accent2"/>
+          </a:effectRef>
+          <a:fontRef idx="minor">
+            <a:schemeClr val="lt1"/>
+          </a:fontRef>
+        </p:style>
+        <p:txBody>
+          <a:bodyPr rtlCol="0" anchor="ctr"/>
+          <a:lstStyle/>
+          <a:p>
+            <a:pPr algn="ctr"/>
+            <a:r>
+              <a:rPr lang="en-US" dirty="0"/>
+              <a:t>Team ID</a:t>
+            </a:r>
+          </a:p>
+        </p:txBody>
+      </p:sp>
+      <p:cxnSp>
+        <p:nvCxnSpPr>
+          <p:cNvPr id="78" name="Straight Connector 77">
+            <a:extLst>
+              <a:ext uri="{FF2B5EF4-FFF2-40B4-BE49-F238E27FC236}">
+                <a16:creationId xmlns:a16="http://schemas.microsoft.com/office/drawing/2014/main" id="{F0FA3C5A-5138-44F4-9559-89359B7912B3}"/>
+              </a:ext>
+            </a:extLst>
+          </p:cNvPr>
+          <p:cNvCxnSpPr>
+            <a:stCxn id="41" idx="2"/>
+            <a:endCxn id="75" idx="0"/>
+          </p:cNvCxnSpPr>
+          <p:nvPr/>
+        </p:nvCxnSpPr>
+        <p:spPr>
+          <a:xfrm flipH="1">
+            <a:off x="3475762" y="4612342"/>
+            <a:ext cx="672129" cy="242914"/>
+          </a:xfrm>
+          <a:prstGeom prst="line">
+            <a:avLst/>
+          </a:prstGeom>
+        </p:spPr>
+        <p:style>
+          <a:lnRef idx="1">
+            <a:schemeClr val="accent1"/>
+          </a:lnRef>
+          <a:fillRef idx="0">
+            <a:schemeClr val="accent1"/>
+          </a:fillRef>
+          <a:effectRef idx="0">
+            <a:schemeClr val="accent1"/>
+          </a:effectRef>
+          <a:fontRef idx="minor">
+            <a:schemeClr val="tx1"/>
+          </a:fontRef>
+        </p:style>
+      </p:cxnSp>
+      <p:cxnSp>
+        <p:nvCxnSpPr>
+          <p:cNvPr id="80" name="Straight Connector 79">
+            <a:extLst>
+              <a:ext uri="{FF2B5EF4-FFF2-40B4-BE49-F238E27FC236}">
+                <a16:creationId xmlns:a16="http://schemas.microsoft.com/office/drawing/2014/main" id="{5C5AD18D-9D23-48BD-8D25-0C3E8757A79E}"/>
+              </a:ext>
+            </a:extLst>
+          </p:cNvPr>
+          <p:cNvCxnSpPr>
+            <a:cxnSpLocks/>
+            <a:stCxn id="41" idx="2"/>
+            <a:endCxn id="76" idx="0"/>
+          </p:cNvCxnSpPr>
+          <p:nvPr/>
+        </p:nvCxnSpPr>
+        <p:spPr>
+          <a:xfrm>
+            <a:off x="4147891" y="4612342"/>
+            <a:ext cx="647245" cy="242914"/>
+          </a:xfrm>
+          <a:prstGeom prst="line">
+            <a:avLst/>
+          </a:prstGeom>
+        </p:spPr>
+        <p:style>
+          <a:lnRef idx="1">
+            <a:schemeClr val="accent1"/>
+          </a:lnRef>
+          <a:fillRef idx="0">
+            <a:schemeClr val="accent1"/>
+          </a:fillRef>
+          <a:effectRef idx="0">
+            <a:schemeClr val="accent1"/>
+          </a:effectRef>
+          <a:fontRef idx="minor">
+            <a:schemeClr val="tx1"/>
+          </a:fontRef>
+        </p:style>
+      </p:cxnSp>
+      <p:sp>
+        <p:nvSpPr>
+          <p:cNvPr id="83" name="Flowchart: Terminator 82">
+            <a:extLst>
+              <a:ext uri="{FF2B5EF4-FFF2-40B4-BE49-F238E27FC236}">
+                <a16:creationId xmlns:a16="http://schemas.microsoft.com/office/drawing/2014/main" id="{017A636E-F984-468D-955F-03BB628FAE31}"/>
+              </a:ext>
+            </a:extLst>
+          </p:cNvPr>
+          <p:cNvSpPr/>
+          <p:nvPr/>
+        </p:nvSpPr>
+        <p:spPr>
+          <a:xfrm>
+            <a:off x="4593331" y="1081304"/>
+            <a:ext cx="1191407" cy="369332"/>
+          </a:xfrm>
+          <a:prstGeom prst="flowChartTerminator">
+            <a:avLst/>
+          </a:prstGeom>
+        </p:spPr>
+        <p:style>
+          <a:lnRef idx="2">
+            <a:schemeClr val="accent2">
+              <a:shade val="50000"/>
+            </a:schemeClr>
+          </a:lnRef>
+          <a:fillRef idx="1">
+            <a:schemeClr val="accent2"/>
+          </a:fillRef>
+          <a:effectRef idx="0">
+            <a:schemeClr val="accent2"/>
+          </a:effectRef>
+          <a:fontRef idx="minor">
+            <a:schemeClr val="lt1"/>
+          </a:fontRef>
+        </p:style>
+        <p:txBody>
+          <a:bodyPr rtlCol="0" anchor="ctr"/>
+          <a:lstStyle/>
+          <a:p>
+            <a:pPr algn="ctr"/>
+            <a:r>
+              <a:rPr lang="en-US" dirty="0"/>
+              <a:t>Player ID</a:t>
+            </a:r>
+          </a:p>
+        </p:txBody>
+      </p:sp>
+      <p:cxnSp>
+        <p:nvCxnSpPr>
+          <p:cNvPr id="87" name="Straight Connector 86">
+            <a:extLst>
+              <a:ext uri="{FF2B5EF4-FFF2-40B4-BE49-F238E27FC236}">
+                <a16:creationId xmlns:a16="http://schemas.microsoft.com/office/drawing/2014/main" id="{58E9CD3D-C05E-4C19-82D6-1888498A9D22}"/>
+              </a:ext>
+            </a:extLst>
+          </p:cNvPr>
+          <p:cNvCxnSpPr>
+            <a:cxnSpLocks/>
+            <a:stCxn id="83" idx="3"/>
+            <a:endCxn id="5" idx="0"/>
+          </p:cNvCxnSpPr>
+          <p:nvPr/>
+        </p:nvCxnSpPr>
+        <p:spPr>
+          <a:xfrm>
+            <a:off x="5784738" y="1265970"/>
+            <a:ext cx="157481" cy="1199189"/>
+          </a:xfrm>
+          <a:prstGeom prst="line">
+            <a:avLst/>
+          </a:prstGeom>
+        </p:spPr>
+        <p:style>
+          <a:lnRef idx="1">
+            <a:schemeClr val="accent1"/>
+          </a:lnRef>
+          <a:fillRef idx="0">
+            <a:schemeClr val="accent1"/>
+          </a:fillRef>
+          <a:effectRef idx="0">
+            <a:schemeClr val="accent1"/>
+          </a:effectRef>
+          <a:fontRef idx="minor">
+            <a:schemeClr val="tx1"/>
+          </a:fontRef>
+        </p:style>
+      </p:cxnSp>
+      <p:sp>
+        <p:nvSpPr>
+          <p:cNvPr id="134" name="Flowchart: Terminator 133">
+            <a:extLst>
+              <a:ext uri="{FF2B5EF4-FFF2-40B4-BE49-F238E27FC236}">
+                <a16:creationId xmlns:a16="http://schemas.microsoft.com/office/drawing/2014/main" id="{2CFF804F-220A-4699-B5B6-A85BA0C86BC6}"/>
+              </a:ext>
+            </a:extLst>
+          </p:cNvPr>
+          <p:cNvSpPr/>
+          <p:nvPr/>
+        </p:nvSpPr>
+        <p:spPr>
+          <a:xfrm>
+            <a:off x="3550643" y="5387426"/>
+            <a:ext cx="1191407" cy="369332"/>
+          </a:xfrm>
+          <a:prstGeom prst="flowChartTerminator">
+            <a:avLst/>
+          </a:prstGeom>
+        </p:spPr>
+        <p:style>
+          <a:lnRef idx="2">
+            <a:schemeClr val="accent1">
+              <a:shade val="50000"/>
+            </a:schemeClr>
+          </a:lnRef>
+          <a:fillRef idx="1">
+            <a:schemeClr val="accent1"/>
+          </a:fillRef>
+          <a:effectRef idx="0">
+            <a:schemeClr val="accent1"/>
+          </a:effectRef>
+          <a:fontRef idx="minor">
+            <a:schemeClr val="lt1"/>
+          </a:fontRef>
+        </p:style>
+        <p:txBody>
+          <a:bodyPr rtlCol="0" anchor="ctr"/>
+          <a:lstStyle/>
+          <a:p>
+            <a:pPr algn="ctr"/>
+            <a:r>
+              <a:rPr lang="en-US" dirty="0"/>
+              <a:t>Result</a:t>
+            </a:r>
+          </a:p>
+        </p:txBody>
+      </p:sp>
+      <p:cxnSp>
+        <p:nvCxnSpPr>
+          <p:cNvPr id="136" name="Straight Connector 135">
+            <a:extLst>
+              <a:ext uri="{FF2B5EF4-FFF2-40B4-BE49-F238E27FC236}">
+                <a16:creationId xmlns:a16="http://schemas.microsoft.com/office/drawing/2014/main" id="{1395DFF3-D8CE-47BB-BBBD-01032068EB88}"/>
+              </a:ext>
+            </a:extLst>
+          </p:cNvPr>
+          <p:cNvCxnSpPr>
+            <a:stCxn id="41" idx="2"/>
+            <a:endCxn id="134" idx="0"/>
+          </p:cNvCxnSpPr>
+          <p:nvPr/>
+        </p:nvCxnSpPr>
+        <p:spPr>
+          <a:xfrm flipH="1">
+            <a:off x="4146347" y="4612342"/>
+            <a:ext cx="1544" cy="775084"/>
+          </a:xfrm>
+          <a:prstGeom prst="line">
+            <a:avLst/>
+          </a:prstGeom>
+        </p:spPr>
+        <p:style>
+          <a:lnRef idx="1">
+            <a:schemeClr val="accent1"/>
+          </a:lnRef>
+          <a:fillRef idx="0">
+            <a:schemeClr val="accent1"/>
+          </a:fillRef>
+          <a:effectRef idx="0">
+            <a:schemeClr val="accent1"/>
+          </a:effectRef>
+          <a:fontRef idx="minor">
+            <a:schemeClr val="tx1"/>
+          </a:fontRef>
+        </p:style>
+      </p:cxnSp>
+      <p:sp>
+        <p:nvSpPr>
+          <p:cNvPr id="138" name="TextBox 137">
+            <a:extLst>
+              <a:ext uri="{FF2B5EF4-FFF2-40B4-BE49-F238E27FC236}">
+                <a16:creationId xmlns:a16="http://schemas.microsoft.com/office/drawing/2014/main" id="{F36B6F43-7E15-492E-8FA3-D0CC071C72E0}"/>
+              </a:ext>
+            </a:extLst>
+          </p:cNvPr>
+          <p:cNvSpPr txBox="1"/>
+          <p:nvPr/>
+        </p:nvSpPr>
+        <p:spPr>
+          <a:xfrm>
+            <a:off x="8382633" y="2460474"/>
+            <a:ext cx="362029" cy="369332"/>
+          </a:xfrm>
+          <a:prstGeom prst="rect">
+            <a:avLst/>
+          </a:prstGeom>
+          <a:noFill/>
+        </p:spPr>
+        <p:txBody>
+          <a:bodyPr wrap="square" rtlCol="0">
+            <a:spAutoFit/>
+          </a:bodyPr>
+          <a:lstStyle/>
+          <a:p>
+            <a:r>
+              <a:rPr lang="en-US" dirty="0"/>
+              <a:t>m</a:t>
+            </a:r>
+          </a:p>
+        </p:txBody>
+      </p:sp>
+      <p:sp>
+        <p:nvSpPr>
+          <p:cNvPr id="139" name="TextBox 138">
+            <a:extLst>
+              <a:ext uri="{FF2B5EF4-FFF2-40B4-BE49-F238E27FC236}">
+                <a16:creationId xmlns:a16="http://schemas.microsoft.com/office/drawing/2014/main" id="{06B672FF-9589-4AA4-B8E1-5987DFD2C686}"/>
+              </a:ext>
+            </a:extLst>
+          </p:cNvPr>
+          <p:cNvSpPr txBox="1"/>
+          <p:nvPr/>
+        </p:nvSpPr>
+        <p:spPr>
+          <a:xfrm>
+            <a:off x="6568747" y="2451481"/>
+            <a:ext cx="362029" cy="369332"/>
+          </a:xfrm>
+          <a:prstGeom prst="rect">
+            <a:avLst/>
+          </a:prstGeom>
+          <a:noFill/>
+        </p:spPr>
+        <p:txBody>
+          <a:bodyPr wrap="square" rtlCol="0">
+            <a:spAutoFit/>
+          </a:bodyPr>
+          <a:lstStyle/>
+          <a:p>
+            <a:r>
+              <a:rPr lang="en-US" dirty="0"/>
+              <a:t>1</a:t>
+            </a:r>
+          </a:p>
+        </p:txBody>
+      </p:sp>
+      <p:sp>
+        <p:nvSpPr>
+          <p:cNvPr id="140" name="TextBox 139">
+            <a:extLst>
+              <a:ext uri="{FF2B5EF4-FFF2-40B4-BE49-F238E27FC236}">
+                <a16:creationId xmlns:a16="http://schemas.microsoft.com/office/drawing/2014/main" id="{6ADC9442-6BE8-4C82-A145-459982B49E6F}"/>
+              </a:ext>
+            </a:extLst>
+          </p:cNvPr>
+          <p:cNvSpPr txBox="1"/>
+          <p:nvPr/>
+        </p:nvSpPr>
+        <p:spPr>
+          <a:xfrm>
+            <a:off x="4960757" y="2460474"/>
+            <a:ext cx="362029" cy="369332"/>
+          </a:xfrm>
+          <a:prstGeom prst="rect">
+            <a:avLst/>
+          </a:prstGeom>
+          <a:noFill/>
+        </p:spPr>
+        <p:txBody>
+          <a:bodyPr wrap="square" rtlCol="0">
+            <a:spAutoFit/>
+          </a:bodyPr>
+          <a:lstStyle/>
+          <a:p>
+            <a:r>
+              <a:rPr lang="en-US" dirty="0"/>
+              <a:t>m</a:t>
+            </a:r>
+          </a:p>
+        </p:txBody>
+      </p:sp>
+      <p:sp>
+        <p:nvSpPr>
+          <p:cNvPr id="141" name="TextBox 140">
+            <a:extLst>
+              <a:ext uri="{FF2B5EF4-FFF2-40B4-BE49-F238E27FC236}">
+                <a16:creationId xmlns:a16="http://schemas.microsoft.com/office/drawing/2014/main" id="{488F414F-E1D1-4E1A-8144-F056B5E42DA8}"/>
+              </a:ext>
+            </a:extLst>
+          </p:cNvPr>
+          <p:cNvSpPr txBox="1"/>
+          <p:nvPr/>
+        </p:nvSpPr>
+        <p:spPr>
+          <a:xfrm>
+            <a:off x="2913090" y="2446086"/>
+            <a:ext cx="362029" cy="369332"/>
+          </a:xfrm>
+          <a:prstGeom prst="rect">
+            <a:avLst/>
+          </a:prstGeom>
+          <a:noFill/>
+        </p:spPr>
+        <p:txBody>
+          <a:bodyPr wrap="square" rtlCol="0">
+            <a:spAutoFit/>
+          </a:bodyPr>
+          <a:lstStyle/>
+          <a:p>
+            <a:r>
+              <a:rPr lang="en-US" dirty="0"/>
+              <a:t>m</a:t>
+            </a:r>
           </a:p>
         </p:txBody>
       </p:sp>
@@ -3375,6 +5521,376 @@
     <p:extLst>
       <p:ext uri="{BB962C8B-B14F-4D97-AF65-F5344CB8AC3E}">
         <p14:creationId xmlns:p14="http://schemas.microsoft.com/office/powerpoint/2010/main" val="2670427887"/>
+      </p:ext>
+    </p:extLst>
+  </p:cSld>
+  <p:clrMapOvr>
+    <a:masterClrMapping/>
+  </p:clrMapOvr>
+</p:sld>
+</file>
+
+<file path=ppt/slides/slide2.xml><?xml version="1.0" encoding="utf-8"?>
+<p:sld xmlns:a="http://schemas.openxmlformats.org/drawingml/2006/main" xmlns:r="http://schemas.openxmlformats.org/officeDocument/2006/relationships" xmlns:p="http://schemas.openxmlformats.org/presentationml/2006/main">
+  <p:cSld>
+    <p:spTree>
+      <p:nvGrpSpPr>
+        <p:cNvPr id="1" name=""/>
+        <p:cNvGrpSpPr/>
+        <p:nvPr/>
+      </p:nvGrpSpPr>
+      <p:grpSpPr>
+        <a:xfrm>
+          <a:off x="0" y="0"/>
+          <a:ext cx="0" cy="0"/>
+          <a:chOff x="0" y="0"/>
+          <a:chExt cx="0" cy="0"/>
+        </a:xfrm>
+      </p:grpSpPr>
+      <p:graphicFrame>
+        <p:nvGraphicFramePr>
+          <p:cNvPr id="4" name="Table 4">
+            <a:extLst>
+              <a:ext uri="{FF2B5EF4-FFF2-40B4-BE49-F238E27FC236}">
+                <a16:creationId xmlns:a16="http://schemas.microsoft.com/office/drawing/2014/main" id="{72A22016-8976-4919-ACA1-29034543B564}"/>
+              </a:ext>
+            </a:extLst>
+          </p:cNvPr>
+          <p:cNvGraphicFramePr>
+            <a:graphicFrameLocks noGrp="1"/>
+          </p:cNvGraphicFramePr>
+          <p:nvPr>
+            <p:extLst>
+              <p:ext uri="{D42A27DB-BD31-4B8C-83A1-F6EECF244321}">
+                <p14:modId xmlns:p14="http://schemas.microsoft.com/office/powerpoint/2010/main" val="921275951"/>
+              </p:ext>
+            </p:extLst>
+          </p:nvPr>
+        </p:nvGraphicFramePr>
+        <p:xfrm>
+          <a:off x="416844" y="360743"/>
+          <a:ext cx="5471208" cy="741680"/>
+        </p:xfrm>
+        <a:graphic>
+          <a:graphicData uri="http://schemas.openxmlformats.org/drawingml/2006/table">
+            <a:tbl>
+              <a:tblPr firstRow="1" bandRow="1">
+                <a:tableStyleId>{5C22544A-7EE6-4342-B048-85BDC9FD1C3A}</a:tableStyleId>
+              </a:tblPr>
+              <a:tblGrid>
+                <a:gridCol w="1447293">
+                  <a:extLst>
+                    <a:ext uri="{9D8B030D-6E8A-4147-A177-3AD203B41FA5}">
+                      <a16:colId xmlns:a16="http://schemas.microsoft.com/office/drawing/2014/main" val="2698275716"/>
+                    </a:ext>
+                  </a:extLst>
+                </a:gridCol>
+                <a:gridCol w="1341305">
+                  <a:extLst>
+                    <a:ext uri="{9D8B030D-6E8A-4147-A177-3AD203B41FA5}">
+                      <a16:colId xmlns:a16="http://schemas.microsoft.com/office/drawing/2014/main" val="2245595532"/>
+                    </a:ext>
+                  </a:extLst>
+                </a:gridCol>
+                <a:gridCol w="1341305">
+                  <a:extLst>
+                    <a:ext uri="{9D8B030D-6E8A-4147-A177-3AD203B41FA5}">
+                      <a16:colId xmlns:a16="http://schemas.microsoft.com/office/drawing/2014/main" val="9635823"/>
+                    </a:ext>
+                  </a:extLst>
+                </a:gridCol>
+                <a:gridCol w="1341305">
+                  <a:extLst>
+                    <a:ext uri="{9D8B030D-6E8A-4147-A177-3AD203B41FA5}">
+                      <a16:colId xmlns:a16="http://schemas.microsoft.com/office/drawing/2014/main" val="3811016799"/>
+                    </a:ext>
+                  </a:extLst>
+                </a:gridCol>
+              </a:tblGrid>
+              <a:tr h="370840">
+                <a:tc>
+                  <a:txBody>
+                    <a:bodyPr/>
+                    <a:lstStyle/>
+                    <a:p>
+                      <a:r>
+                        <a:rPr lang="en-US" dirty="0"/>
+                        <a:t>Player ID</a:t>
+                      </a:r>
+                    </a:p>
+                  </a:txBody>
+                  <a:tcPr/>
+                </a:tc>
+                <a:tc>
+                  <a:txBody>
+                    <a:bodyPr/>
+                    <a:lstStyle/>
+                    <a:p>
+                      <a:r>
+                        <a:rPr lang="en-US" dirty="0"/>
+                        <a:t>Age</a:t>
+                      </a:r>
+                    </a:p>
+                  </a:txBody>
+                  <a:tcPr/>
+                </a:tc>
+                <a:tc>
+                  <a:txBody>
+                    <a:bodyPr/>
+                    <a:lstStyle/>
+                    <a:p>
+                      <a:r>
+                        <a:rPr lang="en-US" dirty="0"/>
+                        <a:t>Name</a:t>
+                      </a:r>
+                    </a:p>
+                  </a:txBody>
+                  <a:tcPr/>
+                </a:tc>
+                <a:tc>
+                  <a:txBody>
+                    <a:bodyPr/>
+                    <a:lstStyle/>
+                    <a:p>
+                      <a:r>
+                        <a:rPr lang="en-US" dirty="0"/>
+                        <a:t>Character</a:t>
+                      </a:r>
+                    </a:p>
+                  </a:txBody>
+                  <a:tcPr/>
+                </a:tc>
+                <a:extLst>
+                  <a:ext uri="{0D108BD9-81ED-4DB2-BD59-A6C34878D82A}">
+                    <a16:rowId xmlns:a16="http://schemas.microsoft.com/office/drawing/2014/main" val="752477076"/>
+                  </a:ext>
+                </a:extLst>
+              </a:tr>
+              <a:tr h="370840">
+                <a:tc>
+                  <a:txBody>
+                    <a:bodyPr/>
+                    <a:lstStyle/>
+                    <a:p>
+                      <a:endParaRPr lang="en-US"/>
+                    </a:p>
+                  </a:txBody>
+                  <a:tcPr/>
+                </a:tc>
+                <a:tc>
+                  <a:txBody>
+                    <a:bodyPr/>
+                    <a:lstStyle/>
+                    <a:p>
+                      <a:endParaRPr lang="en-US" dirty="0"/>
+                    </a:p>
+                  </a:txBody>
+                  <a:tcPr/>
+                </a:tc>
+                <a:tc>
+                  <a:txBody>
+                    <a:bodyPr/>
+                    <a:lstStyle/>
+                    <a:p>
+                      <a:endParaRPr lang="en-US" dirty="0"/>
+                    </a:p>
+                  </a:txBody>
+                  <a:tcPr/>
+                </a:tc>
+                <a:tc>
+                  <a:txBody>
+                    <a:bodyPr/>
+                    <a:lstStyle/>
+                    <a:p>
+                      <a:endParaRPr lang="en-US" dirty="0"/>
+                    </a:p>
+                  </a:txBody>
+                  <a:tcPr/>
+                </a:tc>
+                <a:extLst>
+                  <a:ext uri="{0D108BD9-81ED-4DB2-BD59-A6C34878D82A}">
+                    <a16:rowId xmlns:a16="http://schemas.microsoft.com/office/drawing/2014/main" val="4106640717"/>
+                  </a:ext>
+                </a:extLst>
+              </a:tr>
+            </a:tbl>
+          </a:graphicData>
+        </a:graphic>
+      </p:graphicFrame>
+      <p:graphicFrame>
+        <p:nvGraphicFramePr>
+          <p:cNvPr id="5" name="Table 4">
+            <a:extLst>
+              <a:ext uri="{FF2B5EF4-FFF2-40B4-BE49-F238E27FC236}">
+                <a16:creationId xmlns:a16="http://schemas.microsoft.com/office/drawing/2014/main" id="{2957994F-5CFD-4507-BA98-CD3E2F0506AE}"/>
+              </a:ext>
+            </a:extLst>
+          </p:cNvPr>
+          <p:cNvGraphicFramePr>
+            <a:graphicFrameLocks noGrp="1"/>
+          </p:cNvGraphicFramePr>
+          <p:nvPr>
+            <p:extLst>
+              <p:ext uri="{D42A27DB-BD31-4B8C-83A1-F6EECF244321}">
+                <p14:modId xmlns:p14="http://schemas.microsoft.com/office/powerpoint/2010/main" val="631065669"/>
+              </p:ext>
+            </p:extLst>
+          </p:nvPr>
+        </p:nvGraphicFramePr>
+        <p:xfrm>
+          <a:off x="416844" y="1376268"/>
+          <a:ext cx="5471208" cy="741680"/>
+        </p:xfrm>
+        <a:graphic>
+          <a:graphicData uri="http://schemas.openxmlformats.org/drawingml/2006/table">
+            <a:tbl>
+              <a:tblPr firstRow="1" bandRow="1">
+                <a:tableStyleId>{5C22544A-7EE6-4342-B048-85BDC9FD1C3A}</a:tableStyleId>
+              </a:tblPr>
+              <a:tblGrid>
+                <a:gridCol w="1447293">
+                  <a:extLst>
+                    <a:ext uri="{9D8B030D-6E8A-4147-A177-3AD203B41FA5}">
+                      <a16:colId xmlns:a16="http://schemas.microsoft.com/office/drawing/2014/main" val="2698275716"/>
+                    </a:ext>
+                  </a:extLst>
+                </a:gridCol>
+                <a:gridCol w="1341305">
+                  <a:extLst>
+                    <a:ext uri="{9D8B030D-6E8A-4147-A177-3AD203B41FA5}">
+                      <a16:colId xmlns:a16="http://schemas.microsoft.com/office/drawing/2014/main" val="2245595532"/>
+                    </a:ext>
+                  </a:extLst>
+                </a:gridCol>
+                <a:gridCol w="1341305">
+                  <a:extLst>
+                    <a:ext uri="{9D8B030D-6E8A-4147-A177-3AD203B41FA5}">
+                      <a16:colId xmlns:a16="http://schemas.microsoft.com/office/drawing/2014/main" val="9635823"/>
+                    </a:ext>
+                  </a:extLst>
+                </a:gridCol>
+                <a:gridCol w="1341305">
+                  <a:extLst>
+                    <a:ext uri="{9D8B030D-6E8A-4147-A177-3AD203B41FA5}">
+                      <a16:colId xmlns:a16="http://schemas.microsoft.com/office/drawing/2014/main" val="3811016799"/>
+                    </a:ext>
+                  </a:extLst>
+                </a:gridCol>
+              </a:tblGrid>
+              <a:tr h="370840">
+                <a:tc>
+                  <a:txBody>
+                    <a:bodyPr/>
+                    <a:lstStyle/>
+                    <a:p>
+                      <a:r>
+                        <a:rPr lang="en-US" dirty="0"/>
+                        <a:t>Team ID</a:t>
+                      </a:r>
+                    </a:p>
+                  </a:txBody>
+                  <a:tcPr/>
+                </a:tc>
+                <a:tc>
+                  <a:txBody>
+                    <a:bodyPr/>
+                    <a:lstStyle/>
+                    <a:p>
+                      <a:r>
+                        <a:rPr lang="en-US" dirty="0"/>
+                        <a:t>Brand</a:t>
+                      </a:r>
+                    </a:p>
+                  </a:txBody>
+                  <a:tcPr/>
+                </a:tc>
+                <a:tc>
+                  <a:txBody>
+                    <a:bodyPr/>
+                    <a:lstStyle/>
+                    <a:p>
+                      <a:r>
+                        <a:rPr lang="en-US" dirty="0"/>
+                        <a:t># of players</a:t>
+                      </a:r>
+                    </a:p>
+                  </a:txBody>
+                  <a:tcPr/>
+                </a:tc>
+                <a:tc>
+                  <a:txBody>
+                    <a:bodyPr/>
+                    <a:lstStyle/>
+                    <a:p>
+                      <a:r>
+                        <a:rPr lang="en-US" dirty="0"/>
+                        <a:t>Player ID</a:t>
+                      </a:r>
+                    </a:p>
+                  </a:txBody>
+                  <a:tcPr/>
+                </a:tc>
+                <a:extLst>
+                  <a:ext uri="{0D108BD9-81ED-4DB2-BD59-A6C34878D82A}">
+                    <a16:rowId xmlns:a16="http://schemas.microsoft.com/office/drawing/2014/main" val="752477076"/>
+                  </a:ext>
+                </a:extLst>
+              </a:tr>
+              <a:tr h="370840">
+                <a:tc>
+                  <a:txBody>
+                    <a:bodyPr/>
+                    <a:lstStyle/>
+                    <a:p>
+                      <a:endParaRPr lang="en-US" dirty="0"/>
+                    </a:p>
+                  </a:txBody>
+                  <a:tcPr/>
+                </a:tc>
+                <a:tc>
+                  <a:txBody>
+                    <a:bodyPr/>
+                    <a:lstStyle/>
+                    <a:p>
+                      <a:endParaRPr lang="en-US" dirty="0"/>
+                    </a:p>
+                  </a:txBody>
+                  <a:tcPr/>
+                </a:tc>
+                <a:tc>
+                  <a:txBody>
+                    <a:bodyPr/>
+                    <a:lstStyle/>
+                    <a:p>
+                      <a:endParaRPr lang="en-US" dirty="0"/>
+                    </a:p>
+                  </a:txBody>
+                  <a:tcPr/>
+                </a:tc>
+                <a:tc>
+                  <a:txBody>
+                    <a:bodyPr/>
+                    <a:lstStyle/>
+                    <a:p>
+                      <a:endParaRPr lang="en-US" dirty="0"/>
+                    </a:p>
+                  </a:txBody>
+                  <a:tcPr/>
+                </a:tc>
+                <a:extLst>
+                  <a:ext uri="{0D108BD9-81ED-4DB2-BD59-A6C34878D82A}">
+                    <a16:rowId xmlns:a16="http://schemas.microsoft.com/office/drawing/2014/main" val="4106640717"/>
+                  </a:ext>
+                </a:extLst>
+              </a:tr>
+            </a:tbl>
+          </a:graphicData>
+        </a:graphic>
+      </p:graphicFrame>
+    </p:spTree>
+    <p:extLst>
+      <p:ext uri="{BB962C8B-B14F-4D97-AF65-F5344CB8AC3E}">
+        <p14:creationId xmlns:p14="http://schemas.microsoft.com/office/powerpoint/2010/main" val="3661179507"/>
       </p:ext>
     </p:extLst>
   </p:cSld>
